--- a/MBR/2019/month-4/2019.04.Zero.Zhang/奥维世纪研发中心2019年4月工作总结-Zero.Zhang.pptx
+++ b/MBR/2019/month-4/2019.04.Zero.Zhang/奥维世纪研发中心2019年4月工作总结-Zero.Zhang.pptx
@@ -3,21 +3,21 @@
 <p:presentation xmlns:a="http://schemas.openxmlformats.org/drawingml/2006/main" xmlns:r="http://schemas.openxmlformats.org/officeDocument/2006/relationships" xmlns:p="http://schemas.openxmlformats.org/presentationml/2006/main">
   <p:sldMasterIdLst>
     <p:sldMasterId id="2147483648" r:id="rId1"/>
-    <p:sldMasterId id="2147483661" r:id="rId2"/>
-    <p:sldMasterId id="2147483674" r:id="rId3"/>
-    <p:sldMasterId id="2147483687" r:id="rId4"/>
-    <p:sldMasterId id="2147483700" r:id="rId5"/>
+    <p:sldMasterId id="2147483661" r:id="rId3"/>
+    <p:sldMasterId id="2147483674" r:id="rId4"/>
+    <p:sldMasterId id="2147483687" r:id="rId5"/>
+    <p:sldMasterId id="2147483700" r:id="rId6"/>
   </p:sldMasterIdLst>
   <p:notesMasterIdLst>
-    <p:notesMasterId r:id="rId12"/>
+    <p:notesMasterId r:id="rId10"/>
   </p:notesMasterIdLst>
   <p:sldIdLst>
-    <p:sldId id="256" r:id="rId6"/>
-    <p:sldId id="257" r:id="rId7"/>
-    <p:sldId id="258" r:id="rId8"/>
-    <p:sldId id="259" r:id="rId9"/>
-    <p:sldId id="260" r:id="rId10"/>
-    <p:sldId id="261" r:id="rId11"/>
+    <p:sldId id="256" r:id="rId7"/>
+    <p:sldId id="257" r:id="rId8"/>
+    <p:sldId id="258" r:id="rId9"/>
+    <p:sldId id="259" r:id="rId11"/>
+    <p:sldId id="260" r:id="rId12"/>
+    <p:sldId id="261" r:id="rId13"/>
   </p:sldIdLst>
   <p:sldSz cx="12192000" cy="6858000"/>
   <p:notesSz cx="6858000" cy="9144000"/>
@@ -116,11 +116,6 @@
       </a:defRPr>
     </a:lvl9pPr>
   </p:defaultTextStyle>
-  <p:extLst>
-    <p:ext uri="{EFAFB233-063F-42B5-8137-9DF3F51BA10A}">
-      <p15:sldGuideLst xmlns:p15="http://schemas.microsoft.com/office/powerpoint/2012/main"/>
-    </p:ext>
-  </p:extLst>
 </p:presentation>
 </file>
 
@@ -172,10 +167,13 @@
             <a:pPr algn="ctr"/>
             <a:r>
               <a:rPr lang="en-US" sz="4400" b="0" strike="noStrike" spc="-1">
-                <a:latin typeface="Arial"/>
+                <a:latin typeface="Arial" panose="020B0604020202020204"/>
               </a:rPr>
               <a:t>单击鼠标移动幻灯片</a:t>
             </a:r>
+            <a:endParaRPr lang="en-US" sz="4400" b="0" strike="noStrike" spc="-1">
+              <a:latin typeface="Arial" panose="020B0604020202020204"/>
+            </a:endParaRPr>
           </a:p>
         </p:txBody>
       </p:sp>
@@ -204,10 +202,13 @@
           <a:p>
             <a:r>
               <a:rPr lang="en-US" sz="2000" b="0" strike="noStrike" spc="-1">
-                <a:latin typeface="Arial"/>
+                <a:latin typeface="Arial" panose="020B0604020202020204"/>
               </a:rPr>
               <a:t>单击编辑备注格式</a:t>
             </a:r>
+            <a:endParaRPr lang="en-US" sz="2000" b="0" strike="noStrike" spc="-1">
+              <a:latin typeface="Arial" panose="020B0604020202020204"/>
+            </a:endParaRPr>
           </a:p>
         </p:txBody>
       </p:sp>
@@ -236,10 +237,13 @@
           <a:p>
             <a:r>
               <a:rPr lang="en-US" sz="1400" b="0" strike="noStrike" spc="-1">
-                <a:latin typeface="Times New Roman"/>
+                <a:latin typeface="Times New Roman" panose="02020603050405020304"/>
               </a:rPr>
               <a:t> </a:t>
             </a:r>
+            <a:endParaRPr lang="en-US" sz="1400" b="0" strike="noStrike" spc="-1">
+              <a:latin typeface="Times New Roman" panose="02020603050405020304"/>
+            </a:endParaRPr>
           </a:p>
         </p:txBody>
       </p:sp>
@@ -269,10 +273,13 @@
             <a:pPr algn="r"/>
             <a:r>
               <a:rPr lang="en-US" sz="1400" b="0" strike="noStrike" spc="-1">
-                <a:latin typeface="Times New Roman"/>
+                <a:latin typeface="Times New Roman" panose="02020603050405020304"/>
               </a:rPr>
               <a:t> </a:t>
             </a:r>
+            <a:endParaRPr lang="en-US" sz="1400" b="0" strike="noStrike" spc="-1">
+              <a:latin typeface="Times New Roman" panose="02020603050405020304"/>
+            </a:endParaRPr>
           </a:p>
         </p:txBody>
       </p:sp>
@@ -301,10 +308,13 @@
           <a:p>
             <a:r>
               <a:rPr lang="en-US" sz="1400" b="0" strike="noStrike" spc="-1">
-                <a:latin typeface="Times New Roman"/>
+                <a:latin typeface="Times New Roman" panose="02020603050405020304"/>
               </a:rPr>
               <a:t> </a:t>
             </a:r>
+            <a:endParaRPr lang="en-US" sz="1400" b="0" strike="noStrike" spc="-1">
+              <a:latin typeface="Times New Roman" panose="02020603050405020304"/>
+            </a:endParaRPr>
           </a:p>
         </p:txBody>
       </p:sp>
@@ -334,12 +344,11 @@
             <a:pPr algn="r"/>
             <a:fld id="{7B6A995F-53E7-460B-B799-5A282F6DE5A2}" type="slidenum">
               <a:rPr lang="en-US" sz="1400" b="0" strike="noStrike" spc="-1">
-                <a:latin typeface="Times New Roman"/>
+                <a:latin typeface="Times New Roman" panose="02020603050405020304"/>
               </a:rPr>
-              <a:t>‹#›</a:t>
             </a:fld>
             <a:endParaRPr lang="en-US" sz="1400" b="0" strike="noStrike" spc="-1">
-              <a:latin typeface="Times New Roman"/>
+              <a:latin typeface="Times New Roman" panose="02020603050405020304"/>
             </a:endParaRPr>
           </a:p>
         </p:txBody>
@@ -502,43 +511,52 @@
           <a:bodyPr lIns="0" tIns="0" rIns="0" bIns="0"/>
           <a:lstStyle/>
           <a:p>
-            <a:pPr marL="216000" indent="-215280">
+            <a:pPr marL="215900" indent="-215265">
               <a:lnSpc>
                 <a:spcPct val="100000"/>
               </a:lnSpc>
             </a:pPr>
             <a:r>
               <a:rPr lang="en-US" sz="2000" b="0" strike="noStrike" spc="-1">
-                <a:latin typeface="Arial"/>
+                <a:latin typeface="Arial" panose="020B0604020202020204"/>
               </a:rPr>
               <a:t>1、明确汇报线</a:t>
             </a:r>
-          </a:p>
-          <a:p>
-            <a:pPr marL="216000" indent="-215280">
+            <a:endParaRPr lang="en-US" sz="2000" b="0" strike="noStrike" spc="-1">
+              <a:latin typeface="Arial" panose="020B0604020202020204"/>
+            </a:endParaRPr>
+          </a:p>
+          <a:p>
+            <a:pPr marL="215900" indent="-215265">
               <a:lnSpc>
                 <a:spcPct val="100000"/>
               </a:lnSpc>
             </a:pPr>
             <a:r>
               <a:rPr lang="en-US" sz="2000" b="0" strike="noStrike" spc="-1">
-                <a:latin typeface="Arial"/>
+                <a:latin typeface="Arial" panose="020B0604020202020204"/>
               </a:rPr>
               <a:t>2、明确费用审批流程</a:t>
             </a:r>
-          </a:p>
-          <a:p>
-            <a:pPr marL="216000" indent="-215280">
+            <a:endParaRPr lang="en-US" sz="2000" b="0" strike="noStrike" spc="-1">
+              <a:latin typeface="Arial" panose="020B0604020202020204"/>
+            </a:endParaRPr>
+          </a:p>
+          <a:p>
+            <a:pPr marL="215900" indent="-215265">
               <a:lnSpc>
                 <a:spcPct val="100000"/>
               </a:lnSpc>
             </a:pPr>
             <a:r>
               <a:rPr lang="en-US" sz="2000" b="0" strike="noStrike" spc="-1">
-                <a:latin typeface="Arial"/>
+                <a:latin typeface="Arial" panose="020B0604020202020204"/>
               </a:rPr>
               <a:t>3、关于异常业务的财务处理：客户佣金的处理方式；产品和服务和维护费赠送的处理方式（三倍抵扣）；客户索赔的处理方式</a:t>
             </a:r>
+            <a:endParaRPr lang="en-US" sz="2000" b="0" strike="noStrike" spc="-1">
+              <a:latin typeface="Arial" panose="020B0604020202020204"/>
+            </a:endParaRPr>
           </a:p>
         </p:txBody>
       </p:sp>
@@ -619,13 +637,12 @@
                 <a:solidFill>
                   <a:srgbClr val="000000"/>
                 </a:solidFill>
-                <a:latin typeface="Arial"/>
+                <a:latin typeface="Arial" panose="020B0604020202020204"/>
                 <a:ea typeface="+mn-ea"/>
               </a:rPr>
-              <a:t>5/10/2019</a:t>
             </a:fld>
             <a:endParaRPr lang="en-US" sz="1600" b="0" strike="noStrike" spc="-1">
-              <a:latin typeface="Arial"/>
+              <a:latin typeface="Arial" panose="020B0604020202020204"/>
             </a:endParaRPr>
           </a:p>
         </p:txBody>
@@ -698,43 +715,52 @@
           <a:bodyPr lIns="0" tIns="0" rIns="0" bIns="0"/>
           <a:lstStyle/>
           <a:p>
-            <a:pPr marL="216000" indent="-215280">
+            <a:pPr marL="215900" indent="-215265">
               <a:lnSpc>
                 <a:spcPct val="100000"/>
               </a:lnSpc>
             </a:pPr>
             <a:r>
               <a:rPr lang="en-US" sz="2000" b="0" strike="noStrike" spc="-1">
-                <a:latin typeface="Arial"/>
+                <a:latin typeface="Arial" panose="020B0604020202020204"/>
               </a:rPr>
               <a:t>1、明确汇报线</a:t>
             </a:r>
-          </a:p>
-          <a:p>
-            <a:pPr marL="216000" indent="-215280">
+            <a:endParaRPr lang="en-US" sz="2000" b="0" strike="noStrike" spc="-1">
+              <a:latin typeface="Arial" panose="020B0604020202020204"/>
+            </a:endParaRPr>
+          </a:p>
+          <a:p>
+            <a:pPr marL="215900" indent="-215265">
               <a:lnSpc>
                 <a:spcPct val="100000"/>
               </a:lnSpc>
             </a:pPr>
             <a:r>
               <a:rPr lang="en-US" sz="2000" b="0" strike="noStrike" spc="-1">
-                <a:latin typeface="Arial"/>
+                <a:latin typeface="Arial" panose="020B0604020202020204"/>
               </a:rPr>
               <a:t>2、明确费用审批流程</a:t>
             </a:r>
-          </a:p>
-          <a:p>
-            <a:pPr marL="216000" indent="-215280">
+            <a:endParaRPr lang="en-US" sz="2000" b="0" strike="noStrike" spc="-1">
+              <a:latin typeface="Arial" panose="020B0604020202020204"/>
+            </a:endParaRPr>
+          </a:p>
+          <a:p>
+            <a:pPr marL="215900" indent="-215265">
               <a:lnSpc>
                 <a:spcPct val="100000"/>
               </a:lnSpc>
             </a:pPr>
             <a:r>
               <a:rPr lang="en-US" sz="2000" b="0" strike="noStrike" spc="-1">
-                <a:latin typeface="Arial"/>
+                <a:latin typeface="Arial" panose="020B0604020202020204"/>
               </a:rPr>
               <a:t>3、关于异常业务的财务处理：客户佣金的处理方式；产品和服务和维护费赠送的处理方式（三倍抵扣）；客户索赔的处理方式</a:t>
             </a:r>
+            <a:endParaRPr lang="en-US" sz="2000" b="0" strike="noStrike" spc="-1">
+              <a:latin typeface="Arial" panose="020B0604020202020204"/>
+            </a:endParaRPr>
           </a:p>
         </p:txBody>
       </p:sp>
@@ -815,13 +841,12 @@
                 <a:solidFill>
                   <a:srgbClr val="000000"/>
                 </a:solidFill>
-                <a:latin typeface="Arial"/>
+                <a:latin typeface="Arial" panose="020B0604020202020204"/>
                 <a:ea typeface="+mn-ea"/>
               </a:rPr>
-              <a:t>5/10/2019</a:t>
             </a:fld>
             <a:endParaRPr lang="en-US" sz="1600" b="0" strike="noStrike" spc="-1">
-              <a:latin typeface="Arial"/>
+              <a:latin typeface="Arial" panose="020B0604020202020204"/>
             </a:endParaRPr>
           </a:p>
         </p:txBody>
@@ -894,43 +919,52 @@
           <a:bodyPr lIns="0" tIns="0" rIns="0" bIns="0"/>
           <a:lstStyle/>
           <a:p>
-            <a:pPr marL="216000" indent="-215280">
+            <a:pPr marL="215900" indent="-215265">
               <a:lnSpc>
                 <a:spcPct val="100000"/>
               </a:lnSpc>
             </a:pPr>
             <a:r>
               <a:rPr lang="en-US" sz="2000" b="0" strike="noStrike" spc="-1">
-                <a:latin typeface="Arial"/>
+                <a:latin typeface="Arial" panose="020B0604020202020204"/>
               </a:rPr>
               <a:t>1、明确汇报线</a:t>
             </a:r>
-          </a:p>
-          <a:p>
-            <a:pPr marL="216000" indent="-215280">
+            <a:endParaRPr lang="en-US" sz="2000" b="0" strike="noStrike" spc="-1">
+              <a:latin typeface="Arial" panose="020B0604020202020204"/>
+            </a:endParaRPr>
+          </a:p>
+          <a:p>
+            <a:pPr marL="215900" indent="-215265">
               <a:lnSpc>
                 <a:spcPct val="100000"/>
               </a:lnSpc>
             </a:pPr>
             <a:r>
               <a:rPr lang="en-US" sz="2000" b="0" strike="noStrike" spc="-1">
-                <a:latin typeface="Arial"/>
+                <a:latin typeface="Arial" panose="020B0604020202020204"/>
               </a:rPr>
               <a:t>2、明确费用审批流程</a:t>
             </a:r>
-          </a:p>
-          <a:p>
-            <a:pPr marL="216000" indent="-215280">
+            <a:endParaRPr lang="en-US" sz="2000" b="0" strike="noStrike" spc="-1">
+              <a:latin typeface="Arial" panose="020B0604020202020204"/>
+            </a:endParaRPr>
+          </a:p>
+          <a:p>
+            <a:pPr marL="215900" indent="-215265">
               <a:lnSpc>
                 <a:spcPct val="100000"/>
               </a:lnSpc>
             </a:pPr>
             <a:r>
               <a:rPr lang="en-US" sz="2000" b="0" strike="noStrike" spc="-1">
-                <a:latin typeface="Arial"/>
+                <a:latin typeface="Arial" panose="020B0604020202020204"/>
               </a:rPr>
               <a:t>3、关于异常业务的财务处理：客户佣金的处理方式；产品和服务和维护费赠送的处理方式（三倍抵扣）；客户索赔的处理方式</a:t>
             </a:r>
+            <a:endParaRPr lang="en-US" sz="2000" b="0" strike="noStrike" spc="-1">
+              <a:latin typeface="Arial" panose="020B0604020202020204"/>
+            </a:endParaRPr>
           </a:p>
         </p:txBody>
       </p:sp>
@@ -1011,13 +1045,12 @@
                 <a:solidFill>
                   <a:srgbClr val="000000"/>
                 </a:solidFill>
-                <a:latin typeface="Arial"/>
+                <a:latin typeface="Arial" panose="020B0604020202020204"/>
                 <a:ea typeface="+mn-ea"/>
               </a:rPr>
-              <a:t>5/10/2019</a:t>
             </a:fld>
             <a:endParaRPr lang="en-US" sz="1600" b="0" strike="noStrike" spc="-1">
-              <a:latin typeface="Arial"/>
+              <a:latin typeface="Arial" panose="020B0604020202020204"/>
             </a:endParaRPr>
           </a:p>
         </p:txBody>
@@ -1090,23 +1123,23 @@
           <a:bodyPr lIns="0" tIns="0" rIns="0" bIns="0"/>
           <a:lstStyle/>
           <a:p>
-            <a:pPr marL="216000" indent="-215280">
+            <a:pPr marL="215900" indent="-215265">
               <a:lnSpc>
                 <a:spcPct val="100000"/>
               </a:lnSpc>
             </a:pPr>
             <a:endParaRPr lang="en-US" sz="2000" b="0" strike="noStrike" spc="-1">
-              <a:latin typeface="Arial"/>
-            </a:endParaRPr>
-          </a:p>
-          <a:p>
-            <a:pPr marL="216000" indent="-215280">
+              <a:latin typeface="Arial" panose="020B0604020202020204"/>
+            </a:endParaRPr>
+          </a:p>
+          <a:p>
+            <a:pPr marL="215900" indent="-215265">
               <a:lnSpc>
                 <a:spcPct val="100000"/>
               </a:lnSpc>
             </a:pPr>
             <a:endParaRPr lang="en-US" sz="2000" b="0" strike="noStrike" spc="-1">
-              <a:latin typeface="Arial"/>
+              <a:latin typeface="Arial" panose="020B0604020202020204"/>
             </a:endParaRPr>
           </a:p>
         </p:txBody>
@@ -1188,13 +1221,13 @@
                 <a:solidFill>
                   <a:srgbClr val="000000"/>
                 </a:solidFill>
-                <a:latin typeface="Arial"/>
+                <a:latin typeface="Arial" panose="020B0604020202020204"/>
                 <a:ea typeface="+mn-ea"/>
               </a:rPr>
               <a:t>© 2012 Microsoft Corporation. All rights reserved. Microsoft, Windows, and other product names are or may be registered trademarks and/or trademarks in the U.S. and/or other countries.</a:t>
             </a:r>
             <a:endParaRPr lang="en-US" sz="1600" b="0" strike="noStrike" spc="-1">
-              <a:latin typeface="Arial"/>
+              <a:latin typeface="Arial" panose="020B0604020202020204"/>
             </a:endParaRPr>
           </a:p>
           <a:p>
@@ -1208,13 +1241,13 @@
                 <a:solidFill>
                   <a:srgbClr val="000000"/>
                 </a:solidFill>
-                <a:latin typeface="Arial"/>
+                <a:latin typeface="Arial" panose="020B0604020202020204"/>
                 <a:ea typeface="+mn-ea"/>
               </a:rPr>
               <a:t>The information herein is for informational purposes only and represents the current view of Microsoft Corporation as of the date of this presentation.  Because Microsoft must respond to changing market conditions, it should not be interpreted to be a commitment on the part of Microsoft, and Microsoft cannot guarantee the accuracy of any information provided after the date of this presentation.  MICROSOFT MAKES NO WARRANTIES, EXPRESS, IMPLIED OR STATUTORY, AS TO THE INFORMATION IN THIS PRESENTATION.</a:t>
             </a:r>
             <a:endParaRPr lang="en-US" sz="1600" b="0" strike="noStrike" spc="-1">
-              <a:latin typeface="Arial"/>
+              <a:latin typeface="Arial" panose="020B0604020202020204"/>
             </a:endParaRPr>
           </a:p>
         </p:txBody>
@@ -1264,13 +1297,12 @@
                 <a:solidFill>
                   <a:srgbClr val="000000"/>
                 </a:solidFill>
-                <a:latin typeface="Arial"/>
+                <a:latin typeface="Arial" panose="020B0604020202020204"/>
                 <a:ea typeface="+mn-ea"/>
               </a:rPr>
-              <a:t>5/10/2019</a:t>
             </a:fld>
             <a:endParaRPr lang="en-US" sz="1600" b="0" strike="noStrike" spc="-1">
-              <a:latin typeface="Arial"/>
+              <a:latin typeface="Arial" panose="020B0604020202020204"/>
             </a:endParaRPr>
           </a:p>
         </p:txBody>
@@ -1320,13 +1352,12 @@
                 <a:solidFill>
                   <a:srgbClr val="000000"/>
                 </a:solidFill>
-                <a:latin typeface="Arial"/>
+                <a:latin typeface="Arial" panose="020B0604020202020204"/>
                 <a:ea typeface="+mn-ea"/>
               </a:rPr>
-              <a:t>6</a:t>
             </a:fld>
             <a:endParaRPr lang="en-US" sz="1000" b="0" strike="noStrike" spc="-1">
-              <a:latin typeface="Arial"/>
+              <a:latin typeface="Arial" panose="020B0604020202020204"/>
             </a:endParaRPr>
           </a:p>
         </p:txBody>
@@ -1406,7 +1437,7 @@
           <a:p>
             <a:pPr algn="ctr"/>
             <a:endParaRPr lang="en-US" sz="4400" b="0" strike="noStrike" spc="-1">
-              <a:latin typeface="Arial"/>
+              <a:latin typeface="Arial" panose="020B0604020202020204"/>
             </a:endParaRPr>
           </a:p>
         </p:txBody>
@@ -1437,7 +1468,7 @@
           <a:lstStyle/>
           <a:p>
             <a:endParaRPr lang="en-US" sz="3200" b="0" strike="noStrike" spc="-1">
-              <a:latin typeface="Arial"/>
+              <a:latin typeface="Arial" panose="020B0604020202020204"/>
             </a:endParaRPr>
           </a:p>
         </p:txBody>
@@ -1468,7 +1499,7 @@
           <a:lstStyle/>
           <a:p>
             <a:endParaRPr lang="en-US" sz="3200" b="0" strike="noStrike" spc="-1">
-              <a:latin typeface="Arial"/>
+              <a:latin typeface="Arial" panose="020B0604020202020204"/>
             </a:endParaRPr>
           </a:p>
         </p:txBody>
@@ -1523,7 +1554,7 @@
           <a:p>
             <a:pPr algn="ctr"/>
             <a:endParaRPr lang="en-US" sz="4400" b="0" strike="noStrike" spc="-1">
-              <a:latin typeface="Arial"/>
+              <a:latin typeface="Arial" panose="020B0604020202020204"/>
             </a:endParaRPr>
           </a:p>
         </p:txBody>
@@ -1554,7 +1585,7 @@
           <a:lstStyle/>
           <a:p>
             <a:endParaRPr lang="en-US" sz="3200" b="0" strike="noStrike" spc="-1">
-              <a:latin typeface="Arial"/>
+              <a:latin typeface="Arial" panose="020B0604020202020204"/>
             </a:endParaRPr>
           </a:p>
         </p:txBody>
@@ -1585,7 +1616,7 @@
           <a:lstStyle/>
           <a:p>
             <a:endParaRPr lang="en-US" sz="3200" b="0" strike="noStrike" spc="-1">
-              <a:latin typeface="Arial"/>
+              <a:latin typeface="Arial" panose="020B0604020202020204"/>
             </a:endParaRPr>
           </a:p>
         </p:txBody>
@@ -1616,7 +1647,7 @@
           <a:lstStyle/>
           <a:p>
             <a:endParaRPr lang="en-US" sz="3200" b="0" strike="noStrike" spc="-1">
-              <a:latin typeface="Arial"/>
+              <a:latin typeface="Arial" panose="020B0604020202020204"/>
             </a:endParaRPr>
           </a:p>
         </p:txBody>
@@ -1647,7 +1678,7 @@
           <a:lstStyle/>
           <a:p>
             <a:endParaRPr lang="en-US" sz="3200" b="0" strike="noStrike" spc="-1">
-              <a:latin typeface="Arial"/>
+              <a:latin typeface="Arial" panose="020B0604020202020204"/>
             </a:endParaRPr>
           </a:p>
         </p:txBody>
@@ -1702,7 +1733,7 @@
           <a:p>
             <a:pPr algn="ctr"/>
             <a:endParaRPr lang="en-US" sz="4400" b="0" strike="noStrike" spc="-1">
-              <a:latin typeface="Arial"/>
+              <a:latin typeface="Arial" panose="020B0604020202020204"/>
             </a:endParaRPr>
           </a:p>
         </p:txBody>
@@ -1733,7 +1764,7 @@
           <a:lstStyle/>
           <a:p>
             <a:endParaRPr lang="en-US" sz="3200" b="0" strike="noStrike" spc="-1">
-              <a:latin typeface="Arial"/>
+              <a:latin typeface="Arial" panose="020B0604020202020204"/>
             </a:endParaRPr>
           </a:p>
         </p:txBody>
@@ -1764,7 +1795,7 @@
           <a:lstStyle/>
           <a:p>
             <a:endParaRPr lang="en-US" sz="3200" b="0" strike="noStrike" spc="-1">
-              <a:latin typeface="Arial"/>
+              <a:latin typeface="Arial" panose="020B0604020202020204"/>
             </a:endParaRPr>
           </a:p>
         </p:txBody>
@@ -1795,7 +1826,7 @@
           <a:lstStyle/>
           <a:p>
             <a:endParaRPr lang="en-US" sz="3200" b="0" strike="noStrike" spc="-1">
-              <a:latin typeface="Arial"/>
+              <a:latin typeface="Arial" panose="020B0604020202020204"/>
             </a:endParaRPr>
           </a:p>
         </p:txBody>
@@ -1826,7 +1857,7 @@
           <a:lstStyle/>
           <a:p>
             <a:endParaRPr lang="en-US" sz="3200" b="0" strike="noStrike" spc="-1">
-              <a:latin typeface="Arial"/>
+              <a:latin typeface="Arial" panose="020B0604020202020204"/>
             </a:endParaRPr>
           </a:p>
         </p:txBody>
@@ -1857,7 +1888,7 @@
           <a:lstStyle/>
           <a:p>
             <a:endParaRPr lang="en-US" sz="3200" b="0" strike="noStrike" spc="-1">
-              <a:latin typeface="Arial"/>
+              <a:latin typeface="Arial" panose="020B0604020202020204"/>
             </a:endParaRPr>
           </a:p>
         </p:txBody>
@@ -1888,7 +1919,7 @@
           <a:lstStyle/>
           <a:p>
             <a:endParaRPr lang="en-US" sz="3200" b="0" strike="noStrike" spc="-1">
-              <a:latin typeface="Arial"/>
+              <a:latin typeface="Arial" panose="020B0604020202020204"/>
             </a:endParaRPr>
           </a:p>
         </p:txBody>
@@ -1968,7 +1999,7 @@
           <a:p>
             <a:pPr algn="ctr"/>
             <a:endParaRPr lang="en-US" sz="4400" b="0" strike="noStrike" spc="-1">
-              <a:latin typeface="Arial"/>
+              <a:latin typeface="Arial" panose="020B0604020202020204"/>
             </a:endParaRPr>
           </a:p>
         </p:txBody>
@@ -1998,7 +2029,7 @@
           <a:p>
             <a:pPr algn="ctr"/>
             <a:endParaRPr lang="en-US" sz="3200" b="0" strike="noStrike" spc="-1">
-              <a:latin typeface="Arial"/>
+              <a:latin typeface="Arial" panose="020B0604020202020204"/>
             </a:endParaRPr>
           </a:p>
         </p:txBody>
@@ -2053,7 +2084,7 @@
           <a:p>
             <a:pPr algn="ctr"/>
             <a:endParaRPr lang="en-US" sz="4400" b="0" strike="noStrike" spc="-1">
-              <a:latin typeface="Arial"/>
+              <a:latin typeface="Arial" panose="020B0604020202020204"/>
             </a:endParaRPr>
           </a:p>
         </p:txBody>
@@ -2084,7 +2115,7 @@
           <a:lstStyle/>
           <a:p>
             <a:endParaRPr lang="en-US" sz="3200" b="0" strike="noStrike" spc="-1">
-              <a:latin typeface="Arial"/>
+              <a:latin typeface="Arial" panose="020B0604020202020204"/>
             </a:endParaRPr>
           </a:p>
         </p:txBody>
@@ -2139,7 +2170,7 @@
           <a:p>
             <a:pPr algn="ctr"/>
             <a:endParaRPr lang="en-US" sz="4400" b="0" strike="noStrike" spc="-1">
-              <a:latin typeface="Arial"/>
+              <a:latin typeface="Arial" panose="020B0604020202020204"/>
             </a:endParaRPr>
           </a:p>
         </p:txBody>
@@ -2170,7 +2201,7 @@
           <a:lstStyle/>
           <a:p>
             <a:endParaRPr lang="en-US" sz="3200" b="0" strike="noStrike" spc="-1">
-              <a:latin typeface="Arial"/>
+              <a:latin typeface="Arial" panose="020B0604020202020204"/>
             </a:endParaRPr>
           </a:p>
         </p:txBody>
@@ -2201,7 +2232,7 @@
           <a:lstStyle/>
           <a:p>
             <a:endParaRPr lang="en-US" sz="3200" b="0" strike="noStrike" spc="-1">
-              <a:latin typeface="Arial"/>
+              <a:latin typeface="Arial" panose="020B0604020202020204"/>
             </a:endParaRPr>
           </a:p>
         </p:txBody>
@@ -2256,7 +2287,7 @@
           <a:p>
             <a:pPr algn="ctr"/>
             <a:endParaRPr lang="en-US" sz="4400" b="0" strike="noStrike" spc="-1">
-              <a:latin typeface="Arial"/>
+              <a:latin typeface="Arial" panose="020B0604020202020204"/>
             </a:endParaRPr>
           </a:p>
         </p:txBody>
@@ -2311,7 +2342,7 @@
           <a:p>
             <a:pPr algn="ctr"/>
             <a:endParaRPr lang="en-US" sz="3200" b="0" strike="noStrike" spc="-1">
-              <a:latin typeface="Arial"/>
+              <a:latin typeface="Arial" panose="020B0604020202020204"/>
             </a:endParaRPr>
           </a:p>
         </p:txBody>
@@ -2366,7 +2397,7 @@
           <a:p>
             <a:pPr algn="ctr"/>
             <a:endParaRPr lang="en-US" sz="4400" b="0" strike="noStrike" spc="-1">
-              <a:latin typeface="Arial"/>
+              <a:latin typeface="Arial" panose="020B0604020202020204"/>
             </a:endParaRPr>
           </a:p>
         </p:txBody>
@@ -2397,7 +2428,7 @@
           <a:lstStyle/>
           <a:p>
             <a:endParaRPr lang="en-US" sz="3200" b="0" strike="noStrike" spc="-1">
-              <a:latin typeface="Arial"/>
+              <a:latin typeface="Arial" panose="020B0604020202020204"/>
             </a:endParaRPr>
           </a:p>
         </p:txBody>
@@ -2428,7 +2459,7 @@
           <a:lstStyle/>
           <a:p>
             <a:endParaRPr lang="en-US" sz="3200" b="0" strike="noStrike" spc="-1">
-              <a:latin typeface="Arial"/>
+              <a:latin typeface="Arial" panose="020B0604020202020204"/>
             </a:endParaRPr>
           </a:p>
         </p:txBody>
@@ -2459,7 +2490,7 @@
           <a:lstStyle/>
           <a:p>
             <a:endParaRPr lang="en-US" sz="3200" b="0" strike="noStrike" spc="-1">
-              <a:latin typeface="Arial"/>
+              <a:latin typeface="Arial" panose="020B0604020202020204"/>
             </a:endParaRPr>
           </a:p>
         </p:txBody>
@@ -2514,7 +2545,7 @@
           <a:p>
             <a:pPr algn="ctr"/>
             <a:endParaRPr lang="en-US" sz="4400" b="0" strike="noStrike" spc="-1">
-              <a:latin typeface="Arial"/>
+              <a:latin typeface="Arial" panose="020B0604020202020204"/>
             </a:endParaRPr>
           </a:p>
         </p:txBody>
@@ -2544,7 +2575,7 @@
           <a:p>
             <a:pPr algn="ctr"/>
             <a:endParaRPr lang="en-US" sz="3200" b="0" strike="noStrike" spc="-1">
-              <a:latin typeface="Arial"/>
+              <a:latin typeface="Arial" panose="020B0604020202020204"/>
             </a:endParaRPr>
           </a:p>
         </p:txBody>
@@ -2599,7 +2630,7 @@
           <a:p>
             <a:pPr algn="ctr"/>
             <a:endParaRPr lang="en-US" sz="4400" b="0" strike="noStrike" spc="-1">
-              <a:latin typeface="Arial"/>
+              <a:latin typeface="Arial" panose="020B0604020202020204"/>
             </a:endParaRPr>
           </a:p>
         </p:txBody>
@@ -2630,7 +2661,7 @@
           <a:lstStyle/>
           <a:p>
             <a:endParaRPr lang="en-US" sz="3200" b="0" strike="noStrike" spc="-1">
-              <a:latin typeface="Arial"/>
+              <a:latin typeface="Arial" panose="020B0604020202020204"/>
             </a:endParaRPr>
           </a:p>
         </p:txBody>
@@ -2661,7 +2692,7 @@
           <a:lstStyle/>
           <a:p>
             <a:endParaRPr lang="en-US" sz="3200" b="0" strike="noStrike" spc="-1">
-              <a:latin typeface="Arial"/>
+              <a:latin typeface="Arial" panose="020B0604020202020204"/>
             </a:endParaRPr>
           </a:p>
         </p:txBody>
@@ -2692,7 +2723,7 @@
           <a:lstStyle/>
           <a:p>
             <a:endParaRPr lang="en-US" sz="3200" b="0" strike="noStrike" spc="-1">
-              <a:latin typeface="Arial"/>
+              <a:latin typeface="Arial" panose="020B0604020202020204"/>
             </a:endParaRPr>
           </a:p>
         </p:txBody>
@@ -2747,7 +2778,7 @@
           <a:p>
             <a:pPr algn="ctr"/>
             <a:endParaRPr lang="en-US" sz="4400" b="0" strike="noStrike" spc="-1">
-              <a:latin typeface="Arial"/>
+              <a:latin typeface="Arial" panose="020B0604020202020204"/>
             </a:endParaRPr>
           </a:p>
         </p:txBody>
@@ -2778,7 +2809,7 @@
           <a:lstStyle/>
           <a:p>
             <a:endParaRPr lang="en-US" sz="3200" b="0" strike="noStrike" spc="-1">
-              <a:latin typeface="Arial"/>
+              <a:latin typeface="Arial" panose="020B0604020202020204"/>
             </a:endParaRPr>
           </a:p>
         </p:txBody>
@@ -2809,7 +2840,7 @@
           <a:lstStyle/>
           <a:p>
             <a:endParaRPr lang="en-US" sz="3200" b="0" strike="noStrike" spc="-1">
-              <a:latin typeface="Arial"/>
+              <a:latin typeface="Arial" panose="020B0604020202020204"/>
             </a:endParaRPr>
           </a:p>
         </p:txBody>
@@ -2840,7 +2871,7 @@
           <a:lstStyle/>
           <a:p>
             <a:endParaRPr lang="en-US" sz="3200" b="0" strike="noStrike" spc="-1">
-              <a:latin typeface="Arial"/>
+              <a:latin typeface="Arial" panose="020B0604020202020204"/>
             </a:endParaRPr>
           </a:p>
         </p:txBody>
@@ -2895,7 +2926,7 @@
           <a:p>
             <a:pPr algn="ctr"/>
             <a:endParaRPr lang="en-US" sz="4400" b="0" strike="noStrike" spc="-1">
-              <a:latin typeface="Arial"/>
+              <a:latin typeface="Arial" panose="020B0604020202020204"/>
             </a:endParaRPr>
           </a:p>
         </p:txBody>
@@ -2926,7 +2957,7 @@
           <a:lstStyle/>
           <a:p>
             <a:endParaRPr lang="en-US" sz="3200" b="0" strike="noStrike" spc="-1">
-              <a:latin typeface="Arial"/>
+              <a:latin typeface="Arial" panose="020B0604020202020204"/>
             </a:endParaRPr>
           </a:p>
         </p:txBody>
@@ -2957,7 +2988,7 @@
           <a:lstStyle/>
           <a:p>
             <a:endParaRPr lang="en-US" sz="3200" b="0" strike="noStrike" spc="-1">
-              <a:latin typeface="Arial"/>
+              <a:latin typeface="Arial" panose="020B0604020202020204"/>
             </a:endParaRPr>
           </a:p>
         </p:txBody>
@@ -3012,7 +3043,7 @@
           <a:p>
             <a:pPr algn="ctr"/>
             <a:endParaRPr lang="en-US" sz="4400" b="0" strike="noStrike" spc="-1">
-              <a:latin typeface="Arial"/>
+              <a:latin typeface="Arial" panose="020B0604020202020204"/>
             </a:endParaRPr>
           </a:p>
         </p:txBody>
@@ -3043,7 +3074,7 @@
           <a:lstStyle/>
           <a:p>
             <a:endParaRPr lang="en-US" sz="3200" b="0" strike="noStrike" spc="-1">
-              <a:latin typeface="Arial"/>
+              <a:latin typeface="Arial" panose="020B0604020202020204"/>
             </a:endParaRPr>
           </a:p>
         </p:txBody>
@@ -3074,7 +3105,7 @@
           <a:lstStyle/>
           <a:p>
             <a:endParaRPr lang="en-US" sz="3200" b="0" strike="noStrike" spc="-1">
-              <a:latin typeface="Arial"/>
+              <a:latin typeface="Arial" panose="020B0604020202020204"/>
             </a:endParaRPr>
           </a:p>
         </p:txBody>
@@ -3105,7 +3136,7 @@
           <a:lstStyle/>
           <a:p>
             <a:endParaRPr lang="en-US" sz="3200" b="0" strike="noStrike" spc="-1">
-              <a:latin typeface="Arial"/>
+              <a:latin typeface="Arial" panose="020B0604020202020204"/>
             </a:endParaRPr>
           </a:p>
         </p:txBody>
@@ -3136,7 +3167,7 @@
           <a:lstStyle/>
           <a:p>
             <a:endParaRPr lang="en-US" sz="3200" b="0" strike="noStrike" spc="-1">
-              <a:latin typeface="Arial"/>
+              <a:latin typeface="Arial" panose="020B0604020202020204"/>
             </a:endParaRPr>
           </a:p>
         </p:txBody>
@@ -3191,7 +3222,7 @@
           <a:p>
             <a:pPr algn="ctr"/>
             <a:endParaRPr lang="en-US" sz="4400" b="0" strike="noStrike" spc="-1">
-              <a:latin typeface="Arial"/>
+              <a:latin typeface="Arial" panose="020B0604020202020204"/>
             </a:endParaRPr>
           </a:p>
         </p:txBody>
@@ -3222,7 +3253,7 @@
           <a:lstStyle/>
           <a:p>
             <a:endParaRPr lang="en-US" sz="3200" b="0" strike="noStrike" spc="-1">
-              <a:latin typeface="Arial"/>
+              <a:latin typeface="Arial" panose="020B0604020202020204"/>
             </a:endParaRPr>
           </a:p>
         </p:txBody>
@@ -3253,7 +3284,7 @@
           <a:lstStyle/>
           <a:p>
             <a:endParaRPr lang="en-US" sz="3200" b="0" strike="noStrike" spc="-1">
-              <a:latin typeface="Arial"/>
+              <a:latin typeface="Arial" panose="020B0604020202020204"/>
             </a:endParaRPr>
           </a:p>
         </p:txBody>
@@ -3284,7 +3315,7 @@
           <a:lstStyle/>
           <a:p>
             <a:endParaRPr lang="en-US" sz="3200" b="0" strike="noStrike" spc="-1">
-              <a:latin typeface="Arial"/>
+              <a:latin typeface="Arial" panose="020B0604020202020204"/>
             </a:endParaRPr>
           </a:p>
         </p:txBody>
@@ -3315,7 +3346,7 @@
           <a:lstStyle/>
           <a:p>
             <a:endParaRPr lang="en-US" sz="3200" b="0" strike="noStrike" spc="-1">
-              <a:latin typeface="Arial"/>
+              <a:latin typeface="Arial" panose="020B0604020202020204"/>
             </a:endParaRPr>
           </a:p>
         </p:txBody>
@@ -3346,7 +3377,7 @@
           <a:lstStyle/>
           <a:p>
             <a:endParaRPr lang="en-US" sz="3200" b="0" strike="noStrike" spc="-1">
-              <a:latin typeface="Arial"/>
+              <a:latin typeface="Arial" panose="020B0604020202020204"/>
             </a:endParaRPr>
           </a:p>
         </p:txBody>
@@ -3377,7 +3408,7 @@
           <a:lstStyle/>
           <a:p>
             <a:endParaRPr lang="en-US" sz="3200" b="0" strike="noStrike" spc="-1">
-              <a:latin typeface="Arial"/>
+              <a:latin typeface="Arial" panose="020B0604020202020204"/>
             </a:endParaRPr>
           </a:p>
         </p:txBody>
@@ -3457,7 +3488,7 @@
           <a:p>
             <a:pPr algn="ctr"/>
             <a:endParaRPr lang="en-US" sz="4400" b="0" strike="noStrike" spc="-1">
-              <a:latin typeface="Arial"/>
+              <a:latin typeface="Arial" panose="020B0604020202020204"/>
             </a:endParaRPr>
           </a:p>
         </p:txBody>
@@ -3487,7 +3518,7 @@
           <a:p>
             <a:pPr algn="ctr"/>
             <a:endParaRPr lang="en-US" sz="3200" b="0" strike="noStrike" spc="-1">
-              <a:latin typeface="Arial"/>
+              <a:latin typeface="Arial" panose="020B0604020202020204"/>
             </a:endParaRPr>
           </a:p>
         </p:txBody>
@@ -3542,7 +3573,7 @@
           <a:p>
             <a:pPr algn="ctr"/>
             <a:endParaRPr lang="en-US" sz="4400" b="0" strike="noStrike" spc="-1">
-              <a:latin typeface="Arial"/>
+              <a:latin typeface="Arial" panose="020B0604020202020204"/>
             </a:endParaRPr>
           </a:p>
         </p:txBody>
@@ -3573,7 +3604,7 @@
           <a:lstStyle/>
           <a:p>
             <a:endParaRPr lang="en-US" sz="3200" b="0" strike="noStrike" spc="-1">
-              <a:latin typeface="Arial"/>
+              <a:latin typeface="Arial" panose="020B0604020202020204"/>
             </a:endParaRPr>
           </a:p>
         </p:txBody>
@@ -3628,7 +3659,7 @@
           <a:p>
             <a:pPr algn="ctr"/>
             <a:endParaRPr lang="en-US" sz="4400" b="0" strike="noStrike" spc="-1">
-              <a:latin typeface="Arial"/>
+              <a:latin typeface="Arial" panose="020B0604020202020204"/>
             </a:endParaRPr>
           </a:p>
         </p:txBody>
@@ -3659,7 +3690,7 @@
           <a:lstStyle/>
           <a:p>
             <a:endParaRPr lang="en-US" sz="3200" b="0" strike="noStrike" spc="-1">
-              <a:latin typeface="Arial"/>
+              <a:latin typeface="Arial" panose="020B0604020202020204"/>
             </a:endParaRPr>
           </a:p>
         </p:txBody>
@@ -3690,7 +3721,7 @@
           <a:lstStyle/>
           <a:p>
             <a:endParaRPr lang="en-US" sz="3200" b="0" strike="noStrike" spc="-1">
-              <a:latin typeface="Arial"/>
+              <a:latin typeface="Arial" panose="020B0604020202020204"/>
             </a:endParaRPr>
           </a:p>
         </p:txBody>
@@ -3745,7 +3776,7 @@
           <a:p>
             <a:pPr algn="ctr"/>
             <a:endParaRPr lang="en-US" sz="4400" b="0" strike="noStrike" spc="-1">
-              <a:latin typeface="Arial"/>
+              <a:latin typeface="Arial" panose="020B0604020202020204"/>
             </a:endParaRPr>
           </a:p>
         </p:txBody>
@@ -3800,7 +3831,7 @@
           <a:p>
             <a:pPr algn="ctr"/>
             <a:endParaRPr lang="en-US" sz="4400" b="0" strike="noStrike" spc="-1">
-              <a:latin typeface="Arial"/>
+              <a:latin typeface="Arial" panose="020B0604020202020204"/>
             </a:endParaRPr>
           </a:p>
         </p:txBody>
@@ -3831,7 +3862,7 @@
           <a:lstStyle/>
           <a:p>
             <a:endParaRPr lang="en-US" sz="3200" b="0" strike="noStrike" spc="-1">
-              <a:latin typeface="Arial"/>
+              <a:latin typeface="Arial" panose="020B0604020202020204"/>
             </a:endParaRPr>
           </a:p>
         </p:txBody>
@@ -3886,7 +3917,7 @@
           <a:p>
             <a:pPr algn="ctr"/>
             <a:endParaRPr lang="en-US" sz="3200" b="0" strike="noStrike" spc="-1">
-              <a:latin typeface="Arial"/>
+              <a:latin typeface="Arial" panose="020B0604020202020204"/>
             </a:endParaRPr>
           </a:p>
         </p:txBody>
@@ -3941,7 +3972,7 @@
           <a:p>
             <a:pPr algn="ctr"/>
             <a:endParaRPr lang="en-US" sz="4400" b="0" strike="noStrike" spc="-1">
-              <a:latin typeface="Arial"/>
+              <a:latin typeface="Arial" panose="020B0604020202020204"/>
             </a:endParaRPr>
           </a:p>
         </p:txBody>
@@ -3972,7 +4003,7 @@
           <a:lstStyle/>
           <a:p>
             <a:endParaRPr lang="en-US" sz="3200" b="0" strike="noStrike" spc="-1">
-              <a:latin typeface="Arial"/>
+              <a:latin typeface="Arial" panose="020B0604020202020204"/>
             </a:endParaRPr>
           </a:p>
         </p:txBody>
@@ -4003,7 +4034,7 @@
           <a:lstStyle/>
           <a:p>
             <a:endParaRPr lang="en-US" sz="3200" b="0" strike="noStrike" spc="-1">
-              <a:latin typeface="Arial"/>
+              <a:latin typeface="Arial" panose="020B0604020202020204"/>
             </a:endParaRPr>
           </a:p>
         </p:txBody>
@@ -4034,7 +4065,7 @@
           <a:lstStyle/>
           <a:p>
             <a:endParaRPr lang="en-US" sz="3200" b="0" strike="noStrike" spc="-1">
-              <a:latin typeface="Arial"/>
+              <a:latin typeface="Arial" panose="020B0604020202020204"/>
             </a:endParaRPr>
           </a:p>
         </p:txBody>
@@ -4089,7 +4120,7 @@
           <a:p>
             <a:pPr algn="ctr"/>
             <a:endParaRPr lang="en-US" sz="4400" b="0" strike="noStrike" spc="-1">
-              <a:latin typeface="Arial"/>
+              <a:latin typeface="Arial" panose="020B0604020202020204"/>
             </a:endParaRPr>
           </a:p>
         </p:txBody>
@@ -4120,7 +4151,7 @@
           <a:lstStyle/>
           <a:p>
             <a:endParaRPr lang="en-US" sz="3200" b="0" strike="noStrike" spc="-1">
-              <a:latin typeface="Arial"/>
+              <a:latin typeface="Arial" panose="020B0604020202020204"/>
             </a:endParaRPr>
           </a:p>
         </p:txBody>
@@ -4151,7 +4182,7 @@
           <a:lstStyle/>
           <a:p>
             <a:endParaRPr lang="en-US" sz="3200" b="0" strike="noStrike" spc="-1">
-              <a:latin typeface="Arial"/>
+              <a:latin typeface="Arial" panose="020B0604020202020204"/>
             </a:endParaRPr>
           </a:p>
         </p:txBody>
@@ -4182,7 +4213,7 @@
           <a:lstStyle/>
           <a:p>
             <a:endParaRPr lang="en-US" sz="3200" b="0" strike="noStrike" spc="-1">
-              <a:latin typeface="Arial"/>
+              <a:latin typeface="Arial" panose="020B0604020202020204"/>
             </a:endParaRPr>
           </a:p>
         </p:txBody>
@@ -4237,7 +4268,7 @@
           <a:p>
             <a:pPr algn="ctr"/>
             <a:endParaRPr lang="en-US" sz="4400" b="0" strike="noStrike" spc="-1">
-              <a:latin typeface="Arial"/>
+              <a:latin typeface="Arial" panose="020B0604020202020204"/>
             </a:endParaRPr>
           </a:p>
         </p:txBody>
@@ -4268,7 +4299,7 @@
           <a:lstStyle/>
           <a:p>
             <a:endParaRPr lang="en-US" sz="3200" b="0" strike="noStrike" spc="-1">
-              <a:latin typeface="Arial"/>
+              <a:latin typeface="Arial" panose="020B0604020202020204"/>
             </a:endParaRPr>
           </a:p>
         </p:txBody>
@@ -4299,7 +4330,7 @@
           <a:lstStyle/>
           <a:p>
             <a:endParaRPr lang="en-US" sz="3200" b="0" strike="noStrike" spc="-1">
-              <a:latin typeface="Arial"/>
+              <a:latin typeface="Arial" panose="020B0604020202020204"/>
             </a:endParaRPr>
           </a:p>
         </p:txBody>
@@ -4330,7 +4361,7 @@
           <a:lstStyle/>
           <a:p>
             <a:endParaRPr lang="en-US" sz="3200" b="0" strike="noStrike" spc="-1">
-              <a:latin typeface="Arial"/>
+              <a:latin typeface="Arial" panose="020B0604020202020204"/>
             </a:endParaRPr>
           </a:p>
         </p:txBody>
@@ -4385,7 +4416,7 @@
           <a:p>
             <a:pPr algn="ctr"/>
             <a:endParaRPr lang="en-US" sz="4400" b="0" strike="noStrike" spc="-1">
-              <a:latin typeface="Arial"/>
+              <a:latin typeface="Arial" panose="020B0604020202020204"/>
             </a:endParaRPr>
           </a:p>
         </p:txBody>
@@ -4416,7 +4447,7 @@
           <a:lstStyle/>
           <a:p>
             <a:endParaRPr lang="en-US" sz="3200" b="0" strike="noStrike" spc="-1">
-              <a:latin typeface="Arial"/>
+              <a:latin typeface="Arial" panose="020B0604020202020204"/>
             </a:endParaRPr>
           </a:p>
         </p:txBody>
@@ -4447,7 +4478,7 @@
           <a:lstStyle/>
           <a:p>
             <a:endParaRPr lang="en-US" sz="3200" b="0" strike="noStrike" spc="-1">
-              <a:latin typeface="Arial"/>
+              <a:latin typeface="Arial" panose="020B0604020202020204"/>
             </a:endParaRPr>
           </a:p>
         </p:txBody>
@@ -4502,7 +4533,7 @@
           <a:p>
             <a:pPr algn="ctr"/>
             <a:endParaRPr lang="en-US" sz="4400" b="0" strike="noStrike" spc="-1">
-              <a:latin typeface="Arial"/>
+              <a:latin typeface="Arial" panose="020B0604020202020204"/>
             </a:endParaRPr>
           </a:p>
         </p:txBody>
@@ -4533,7 +4564,7 @@
           <a:lstStyle/>
           <a:p>
             <a:endParaRPr lang="en-US" sz="3200" b="0" strike="noStrike" spc="-1">
-              <a:latin typeface="Arial"/>
+              <a:latin typeface="Arial" panose="020B0604020202020204"/>
             </a:endParaRPr>
           </a:p>
         </p:txBody>
@@ -4564,7 +4595,7 @@
           <a:lstStyle/>
           <a:p>
             <a:endParaRPr lang="en-US" sz="3200" b="0" strike="noStrike" spc="-1">
-              <a:latin typeface="Arial"/>
+              <a:latin typeface="Arial" panose="020B0604020202020204"/>
             </a:endParaRPr>
           </a:p>
         </p:txBody>
@@ -4595,7 +4626,7 @@
           <a:lstStyle/>
           <a:p>
             <a:endParaRPr lang="en-US" sz="3200" b="0" strike="noStrike" spc="-1">
-              <a:latin typeface="Arial"/>
+              <a:latin typeface="Arial" panose="020B0604020202020204"/>
             </a:endParaRPr>
           </a:p>
         </p:txBody>
@@ -4626,7 +4657,7 @@
           <a:lstStyle/>
           <a:p>
             <a:endParaRPr lang="en-US" sz="3200" b="0" strike="noStrike" spc="-1">
-              <a:latin typeface="Arial"/>
+              <a:latin typeface="Arial" panose="020B0604020202020204"/>
             </a:endParaRPr>
           </a:p>
         </p:txBody>
@@ -4681,7 +4712,7 @@
           <a:p>
             <a:pPr algn="ctr"/>
             <a:endParaRPr lang="en-US" sz="4400" b="0" strike="noStrike" spc="-1">
-              <a:latin typeface="Arial"/>
+              <a:latin typeface="Arial" panose="020B0604020202020204"/>
             </a:endParaRPr>
           </a:p>
         </p:txBody>
@@ -4712,7 +4743,7 @@
           <a:lstStyle/>
           <a:p>
             <a:endParaRPr lang="en-US" sz="3200" b="0" strike="noStrike" spc="-1">
-              <a:latin typeface="Arial"/>
+              <a:latin typeface="Arial" panose="020B0604020202020204"/>
             </a:endParaRPr>
           </a:p>
         </p:txBody>
@@ -4743,7 +4774,7 @@
           <a:lstStyle/>
           <a:p>
             <a:endParaRPr lang="en-US" sz="3200" b="0" strike="noStrike" spc="-1">
-              <a:latin typeface="Arial"/>
+              <a:latin typeface="Arial" panose="020B0604020202020204"/>
             </a:endParaRPr>
           </a:p>
         </p:txBody>
@@ -4774,7 +4805,7 @@
           <a:lstStyle/>
           <a:p>
             <a:endParaRPr lang="en-US" sz="3200" b="0" strike="noStrike" spc="-1">
-              <a:latin typeface="Arial"/>
+              <a:latin typeface="Arial" panose="020B0604020202020204"/>
             </a:endParaRPr>
           </a:p>
         </p:txBody>
@@ -4805,7 +4836,7 @@
           <a:lstStyle/>
           <a:p>
             <a:endParaRPr lang="en-US" sz="3200" b="0" strike="noStrike" spc="-1">
-              <a:latin typeface="Arial"/>
+              <a:latin typeface="Arial" panose="020B0604020202020204"/>
             </a:endParaRPr>
           </a:p>
         </p:txBody>
@@ -4836,7 +4867,7 @@
           <a:lstStyle/>
           <a:p>
             <a:endParaRPr lang="en-US" sz="3200" b="0" strike="noStrike" spc="-1">
-              <a:latin typeface="Arial"/>
+              <a:latin typeface="Arial" panose="020B0604020202020204"/>
             </a:endParaRPr>
           </a:p>
         </p:txBody>
@@ -4867,7 +4898,7 @@
           <a:lstStyle/>
           <a:p>
             <a:endParaRPr lang="en-US" sz="3200" b="0" strike="noStrike" spc="-1">
-              <a:latin typeface="Arial"/>
+              <a:latin typeface="Arial" panose="020B0604020202020204"/>
             </a:endParaRPr>
           </a:p>
         </p:txBody>
@@ -4947,7 +4978,7 @@
           <a:p>
             <a:pPr algn="ctr"/>
             <a:endParaRPr lang="en-US" sz="4400" b="0" strike="noStrike" spc="-1">
-              <a:latin typeface="Arial"/>
+              <a:latin typeface="Arial" panose="020B0604020202020204"/>
             </a:endParaRPr>
           </a:p>
         </p:txBody>
@@ -4977,7 +5008,7 @@
           <a:p>
             <a:pPr algn="ctr"/>
             <a:endParaRPr lang="en-US" sz="3200" b="0" strike="noStrike" spc="-1">
-              <a:latin typeface="Arial"/>
+              <a:latin typeface="Arial" panose="020B0604020202020204"/>
             </a:endParaRPr>
           </a:p>
         </p:txBody>
@@ -5032,7 +5063,7 @@
           <a:p>
             <a:pPr algn="ctr"/>
             <a:endParaRPr lang="en-US" sz="4400" b="0" strike="noStrike" spc="-1">
-              <a:latin typeface="Arial"/>
+              <a:latin typeface="Arial" panose="020B0604020202020204"/>
             </a:endParaRPr>
           </a:p>
         </p:txBody>
@@ -5063,7 +5094,7 @@
           <a:lstStyle/>
           <a:p>
             <a:endParaRPr lang="en-US" sz="3200" b="0" strike="noStrike" spc="-1">
-              <a:latin typeface="Arial"/>
+              <a:latin typeface="Arial" panose="020B0604020202020204"/>
             </a:endParaRPr>
           </a:p>
         </p:txBody>
@@ -5118,7 +5149,7 @@
           <a:p>
             <a:pPr algn="ctr"/>
             <a:endParaRPr lang="en-US" sz="4400" b="0" strike="noStrike" spc="-1">
-              <a:latin typeface="Arial"/>
+              <a:latin typeface="Arial" panose="020B0604020202020204"/>
             </a:endParaRPr>
           </a:p>
         </p:txBody>
@@ -5149,7 +5180,7 @@
           <a:lstStyle/>
           <a:p>
             <a:endParaRPr lang="en-US" sz="3200" b="0" strike="noStrike" spc="-1">
-              <a:latin typeface="Arial"/>
+              <a:latin typeface="Arial" panose="020B0604020202020204"/>
             </a:endParaRPr>
           </a:p>
         </p:txBody>
@@ -5180,7 +5211,7 @@
           <a:lstStyle/>
           <a:p>
             <a:endParaRPr lang="en-US" sz="3200" b="0" strike="noStrike" spc="-1">
-              <a:latin typeface="Arial"/>
+              <a:latin typeface="Arial" panose="020B0604020202020204"/>
             </a:endParaRPr>
           </a:p>
         </p:txBody>
@@ -5235,7 +5266,7 @@
           <a:p>
             <a:pPr algn="ctr"/>
             <a:endParaRPr lang="en-US" sz="4400" b="0" strike="noStrike" spc="-1">
-              <a:latin typeface="Arial"/>
+              <a:latin typeface="Arial" panose="020B0604020202020204"/>
             </a:endParaRPr>
           </a:p>
         </p:txBody>
@@ -5266,7 +5297,7 @@
           <a:lstStyle/>
           <a:p>
             <a:endParaRPr lang="en-US" sz="3200" b="0" strike="noStrike" spc="-1">
-              <a:latin typeface="Arial"/>
+              <a:latin typeface="Arial" panose="020B0604020202020204"/>
             </a:endParaRPr>
           </a:p>
         </p:txBody>
@@ -5297,7 +5328,7 @@
           <a:lstStyle/>
           <a:p>
             <a:endParaRPr lang="en-US" sz="3200" b="0" strike="noStrike" spc="-1">
-              <a:latin typeface="Arial"/>
+              <a:latin typeface="Arial" panose="020B0604020202020204"/>
             </a:endParaRPr>
           </a:p>
         </p:txBody>
@@ -5352,7 +5383,7 @@
           <a:p>
             <a:pPr algn="ctr"/>
             <a:endParaRPr lang="en-US" sz="4400" b="0" strike="noStrike" spc="-1">
-              <a:latin typeface="Arial"/>
+              <a:latin typeface="Arial" panose="020B0604020202020204"/>
             </a:endParaRPr>
           </a:p>
         </p:txBody>
@@ -5407,7 +5438,7 @@
           <a:p>
             <a:pPr algn="ctr"/>
             <a:endParaRPr lang="en-US" sz="3200" b="0" strike="noStrike" spc="-1">
-              <a:latin typeface="Arial"/>
+              <a:latin typeface="Arial" panose="020B0604020202020204"/>
             </a:endParaRPr>
           </a:p>
         </p:txBody>
@@ -5462,7 +5493,7 @@
           <a:p>
             <a:pPr algn="ctr"/>
             <a:endParaRPr lang="en-US" sz="4400" b="0" strike="noStrike" spc="-1">
-              <a:latin typeface="Arial"/>
+              <a:latin typeface="Arial" panose="020B0604020202020204"/>
             </a:endParaRPr>
           </a:p>
         </p:txBody>
@@ -5493,7 +5524,7 @@
           <a:lstStyle/>
           <a:p>
             <a:endParaRPr lang="en-US" sz="3200" b="0" strike="noStrike" spc="-1">
-              <a:latin typeface="Arial"/>
+              <a:latin typeface="Arial" panose="020B0604020202020204"/>
             </a:endParaRPr>
           </a:p>
         </p:txBody>
@@ -5524,7 +5555,7 @@
           <a:lstStyle/>
           <a:p>
             <a:endParaRPr lang="en-US" sz="3200" b="0" strike="noStrike" spc="-1">
-              <a:latin typeface="Arial"/>
+              <a:latin typeface="Arial" panose="020B0604020202020204"/>
             </a:endParaRPr>
           </a:p>
         </p:txBody>
@@ -5555,7 +5586,7 @@
           <a:lstStyle/>
           <a:p>
             <a:endParaRPr lang="en-US" sz="3200" b="0" strike="noStrike" spc="-1">
-              <a:latin typeface="Arial"/>
+              <a:latin typeface="Arial" panose="020B0604020202020204"/>
             </a:endParaRPr>
           </a:p>
         </p:txBody>
@@ -5610,7 +5641,7 @@
           <a:p>
             <a:pPr algn="ctr"/>
             <a:endParaRPr lang="en-US" sz="4400" b="0" strike="noStrike" spc="-1">
-              <a:latin typeface="Arial"/>
+              <a:latin typeface="Arial" panose="020B0604020202020204"/>
             </a:endParaRPr>
           </a:p>
         </p:txBody>
@@ -5641,7 +5672,7 @@
           <a:lstStyle/>
           <a:p>
             <a:endParaRPr lang="en-US" sz="3200" b="0" strike="noStrike" spc="-1">
-              <a:latin typeface="Arial"/>
+              <a:latin typeface="Arial" panose="020B0604020202020204"/>
             </a:endParaRPr>
           </a:p>
         </p:txBody>
@@ -5672,7 +5703,7 @@
           <a:lstStyle/>
           <a:p>
             <a:endParaRPr lang="en-US" sz="3200" b="0" strike="noStrike" spc="-1">
-              <a:latin typeface="Arial"/>
+              <a:latin typeface="Arial" panose="020B0604020202020204"/>
             </a:endParaRPr>
           </a:p>
         </p:txBody>
@@ -5703,7 +5734,7 @@
           <a:lstStyle/>
           <a:p>
             <a:endParaRPr lang="en-US" sz="3200" b="0" strike="noStrike" spc="-1">
-              <a:latin typeface="Arial"/>
+              <a:latin typeface="Arial" panose="020B0604020202020204"/>
             </a:endParaRPr>
           </a:p>
         </p:txBody>
@@ -5758,7 +5789,7 @@
           <a:p>
             <a:pPr algn="ctr"/>
             <a:endParaRPr lang="en-US" sz="4400" b="0" strike="noStrike" spc="-1">
-              <a:latin typeface="Arial"/>
+              <a:latin typeface="Arial" panose="020B0604020202020204"/>
             </a:endParaRPr>
           </a:p>
         </p:txBody>
@@ -5789,7 +5820,7 @@
           <a:lstStyle/>
           <a:p>
             <a:endParaRPr lang="en-US" sz="3200" b="0" strike="noStrike" spc="-1">
-              <a:latin typeface="Arial"/>
+              <a:latin typeface="Arial" panose="020B0604020202020204"/>
             </a:endParaRPr>
           </a:p>
         </p:txBody>
@@ -5820,7 +5851,7 @@
           <a:lstStyle/>
           <a:p>
             <a:endParaRPr lang="en-US" sz="3200" b="0" strike="noStrike" spc="-1">
-              <a:latin typeface="Arial"/>
+              <a:latin typeface="Arial" panose="020B0604020202020204"/>
             </a:endParaRPr>
           </a:p>
         </p:txBody>
@@ -5851,7 +5882,7 @@
           <a:lstStyle/>
           <a:p>
             <a:endParaRPr lang="en-US" sz="3200" b="0" strike="noStrike" spc="-1">
-              <a:latin typeface="Arial"/>
+              <a:latin typeface="Arial" panose="020B0604020202020204"/>
             </a:endParaRPr>
           </a:p>
         </p:txBody>
@@ -5906,7 +5937,7 @@
           <a:p>
             <a:pPr algn="ctr"/>
             <a:endParaRPr lang="en-US" sz="4400" b="0" strike="noStrike" spc="-1">
-              <a:latin typeface="Arial"/>
+              <a:latin typeface="Arial" panose="020B0604020202020204"/>
             </a:endParaRPr>
           </a:p>
         </p:txBody>
@@ -5937,7 +5968,7 @@
           <a:lstStyle/>
           <a:p>
             <a:endParaRPr lang="en-US" sz="3200" b="0" strike="noStrike" spc="-1">
-              <a:latin typeface="Arial"/>
+              <a:latin typeface="Arial" panose="020B0604020202020204"/>
             </a:endParaRPr>
           </a:p>
         </p:txBody>
@@ -5968,7 +5999,7 @@
           <a:lstStyle/>
           <a:p>
             <a:endParaRPr lang="en-US" sz="3200" b="0" strike="noStrike" spc="-1">
-              <a:latin typeface="Arial"/>
+              <a:latin typeface="Arial" panose="020B0604020202020204"/>
             </a:endParaRPr>
           </a:p>
         </p:txBody>
@@ -6023,7 +6054,7 @@
           <a:p>
             <a:pPr algn="ctr"/>
             <a:endParaRPr lang="en-US" sz="4400" b="0" strike="noStrike" spc="-1">
-              <a:latin typeface="Arial"/>
+              <a:latin typeface="Arial" panose="020B0604020202020204"/>
             </a:endParaRPr>
           </a:p>
         </p:txBody>
@@ -6054,7 +6085,7 @@
           <a:lstStyle/>
           <a:p>
             <a:endParaRPr lang="en-US" sz="3200" b="0" strike="noStrike" spc="-1">
-              <a:latin typeface="Arial"/>
+              <a:latin typeface="Arial" panose="020B0604020202020204"/>
             </a:endParaRPr>
           </a:p>
         </p:txBody>
@@ -6085,7 +6116,7 @@
           <a:lstStyle/>
           <a:p>
             <a:endParaRPr lang="en-US" sz="3200" b="0" strike="noStrike" spc="-1">
-              <a:latin typeface="Arial"/>
+              <a:latin typeface="Arial" panose="020B0604020202020204"/>
             </a:endParaRPr>
           </a:p>
         </p:txBody>
@@ -6116,7 +6147,7 @@
           <a:lstStyle/>
           <a:p>
             <a:endParaRPr lang="en-US" sz="3200" b="0" strike="noStrike" spc="-1">
-              <a:latin typeface="Arial"/>
+              <a:latin typeface="Arial" panose="020B0604020202020204"/>
             </a:endParaRPr>
           </a:p>
         </p:txBody>
@@ -6147,7 +6178,7 @@
           <a:lstStyle/>
           <a:p>
             <a:endParaRPr lang="en-US" sz="3200" b="0" strike="noStrike" spc="-1">
-              <a:latin typeface="Arial"/>
+              <a:latin typeface="Arial" panose="020B0604020202020204"/>
             </a:endParaRPr>
           </a:p>
         </p:txBody>
@@ -6202,7 +6233,7 @@
           <a:p>
             <a:pPr algn="ctr"/>
             <a:endParaRPr lang="en-US" sz="4400" b="0" strike="noStrike" spc="-1">
-              <a:latin typeface="Arial"/>
+              <a:latin typeface="Arial" panose="020B0604020202020204"/>
             </a:endParaRPr>
           </a:p>
         </p:txBody>
@@ -6233,7 +6264,7 @@
           <a:lstStyle/>
           <a:p>
             <a:endParaRPr lang="en-US" sz="3200" b="0" strike="noStrike" spc="-1">
-              <a:latin typeface="Arial"/>
+              <a:latin typeface="Arial" panose="020B0604020202020204"/>
             </a:endParaRPr>
           </a:p>
         </p:txBody>
@@ -6264,7 +6295,7 @@
           <a:lstStyle/>
           <a:p>
             <a:endParaRPr lang="en-US" sz="3200" b="0" strike="noStrike" spc="-1">
-              <a:latin typeface="Arial"/>
+              <a:latin typeface="Arial" panose="020B0604020202020204"/>
             </a:endParaRPr>
           </a:p>
         </p:txBody>
@@ -6295,7 +6326,7 @@
           <a:lstStyle/>
           <a:p>
             <a:endParaRPr lang="en-US" sz="3200" b="0" strike="noStrike" spc="-1">
-              <a:latin typeface="Arial"/>
+              <a:latin typeface="Arial" panose="020B0604020202020204"/>
             </a:endParaRPr>
           </a:p>
         </p:txBody>
@@ -6326,7 +6357,7 @@
           <a:lstStyle/>
           <a:p>
             <a:endParaRPr lang="en-US" sz="3200" b="0" strike="noStrike" spc="-1">
-              <a:latin typeface="Arial"/>
+              <a:latin typeface="Arial" panose="020B0604020202020204"/>
             </a:endParaRPr>
           </a:p>
         </p:txBody>
@@ -6357,7 +6388,7 @@
           <a:lstStyle/>
           <a:p>
             <a:endParaRPr lang="en-US" sz="3200" b="0" strike="noStrike" spc="-1">
-              <a:latin typeface="Arial"/>
+              <a:latin typeface="Arial" panose="020B0604020202020204"/>
             </a:endParaRPr>
           </a:p>
         </p:txBody>
@@ -6388,7 +6419,7 @@
           <a:lstStyle/>
           <a:p>
             <a:endParaRPr lang="en-US" sz="3200" b="0" strike="noStrike" spc="-1">
-              <a:latin typeface="Arial"/>
+              <a:latin typeface="Arial" panose="020B0604020202020204"/>
             </a:endParaRPr>
           </a:p>
         </p:txBody>
@@ -6468,7 +6499,7 @@
           <a:p>
             <a:pPr algn="ctr"/>
             <a:endParaRPr lang="en-US" sz="4400" b="0" strike="noStrike" spc="-1">
-              <a:latin typeface="Arial"/>
+              <a:latin typeface="Arial" panose="020B0604020202020204"/>
             </a:endParaRPr>
           </a:p>
         </p:txBody>
@@ -6523,7 +6554,7 @@
           <a:p>
             <a:pPr algn="ctr"/>
             <a:endParaRPr lang="en-US" sz="4400" b="0" strike="noStrike" spc="-1">
-              <a:latin typeface="Arial"/>
+              <a:latin typeface="Arial" panose="020B0604020202020204"/>
             </a:endParaRPr>
           </a:p>
         </p:txBody>
@@ -6553,7 +6584,7 @@
           <a:p>
             <a:pPr algn="ctr"/>
             <a:endParaRPr lang="en-US" sz="3200" b="0" strike="noStrike" spc="-1">
-              <a:latin typeface="Arial"/>
+              <a:latin typeface="Arial" panose="020B0604020202020204"/>
             </a:endParaRPr>
           </a:p>
         </p:txBody>
@@ -6608,7 +6639,7 @@
           <a:p>
             <a:pPr algn="ctr"/>
             <a:endParaRPr lang="en-US" sz="4400" b="0" strike="noStrike" spc="-1">
-              <a:latin typeface="Arial"/>
+              <a:latin typeface="Arial" panose="020B0604020202020204"/>
             </a:endParaRPr>
           </a:p>
         </p:txBody>
@@ -6639,7 +6670,7 @@
           <a:lstStyle/>
           <a:p>
             <a:endParaRPr lang="en-US" sz="3200" b="0" strike="noStrike" spc="-1">
-              <a:latin typeface="Arial"/>
+              <a:latin typeface="Arial" panose="020B0604020202020204"/>
             </a:endParaRPr>
           </a:p>
         </p:txBody>
@@ -6694,7 +6725,7 @@
           <a:p>
             <a:pPr algn="ctr"/>
             <a:endParaRPr lang="en-US" sz="4400" b="0" strike="noStrike" spc="-1">
-              <a:latin typeface="Arial"/>
+              <a:latin typeface="Arial" panose="020B0604020202020204"/>
             </a:endParaRPr>
           </a:p>
         </p:txBody>
@@ -6725,7 +6756,7 @@
           <a:lstStyle/>
           <a:p>
             <a:endParaRPr lang="en-US" sz="3200" b="0" strike="noStrike" spc="-1">
-              <a:latin typeface="Arial"/>
+              <a:latin typeface="Arial" panose="020B0604020202020204"/>
             </a:endParaRPr>
           </a:p>
         </p:txBody>
@@ -6756,7 +6787,7 @@
           <a:lstStyle/>
           <a:p>
             <a:endParaRPr lang="en-US" sz="3200" b="0" strike="noStrike" spc="-1">
-              <a:latin typeface="Arial"/>
+              <a:latin typeface="Arial" panose="020B0604020202020204"/>
             </a:endParaRPr>
           </a:p>
         </p:txBody>
@@ -6811,7 +6842,7 @@
           <a:p>
             <a:pPr algn="ctr"/>
             <a:endParaRPr lang="en-US" sz="4400" b="0" strike="noStrike" spc="-1">
-              <a:latin typeface="Arial"/>
+              <a:latin typeface="Arial" panose="020B0604020202020204"/>
             </a:endParaRPr>
           </a:p>
         </p:txBody>
@@ -6866,7 +6897,7 @@
           <a:p>
             <a:pPr algn="ctr"/>
             <a:endParaRPr lang="en-US" sz="3200" b="0" strike="noStrike" spc="-1">
-              <a:latin typeface="Arial"/>
+              <a:latin typeface="Arial" panose="020B0604020202020204"/>
             </a:endParaRPr>
           </a:p>
         </p:txBody>
@@ -6921,7 +6952,7 @@
           <a:p>
             <a:pPr algn="ctr"/>
             <a:endParaRPr lang="en-US" sz="4400" b="0" strike="noStrike" spc="-1">
-              <a:latin typeface="Arial"/>
+              <a:latin typeface="Arial" panose="020B0604020202020204"/>
             </a:endParaRPr>
           </a:p>
         </p:txBody>
@@ -6952,7 +6983,7 @@
           <a:lstStyle/>
           <a:p>
             <a:endParaRPr lang="en-US" sz="3200" b="0" strike="noStrike" spc="-1">
-              <a:latin typeface="Arial"/>
+              <a:latin typeface="Arial" panose="020B0604020202020204"/>
             </a:endParaRPr>
           </a:p>
         </p:txBody>
@@ -6983,7 +7014,7 @@
           <a:lstStyle/>
           <a:p>
             <a:endParaRPr lang="en-US" sz="3200" b="0" strike="noStrike" spc="-1">
-              <a:latin typeface="Arial"/>
+              <a:latin typeface="Arial" panose="020B0604020202020204"/>
             </a:endParaRPr>
           </a:p>
         </p:txBody>
@@ -7014,7 +7045,7 @@
           <a:lstStyle/>
           <a:p>
             <a:endParaRPr lang="en-US" sz="3200" b="0" strike="noStrike" spc="-1">
-              <a:latin typeface="Arial"/>
+              <a:latin typeface="Arial" panose="020B0604020202020204"/>
             </a:endParaRPr>
           </a:p>
         </p:txBody>
@@ -7069,7 +7100,7 @@
           <a:p>
             <a:pPr algn="ctr"/>
             <a:endParaRPr lang="en-US" sz="4400" b="0" strike="noStrike" spc="-1">
-              <a:latin typeface="Arial"/>
+              <a:latin typeface="Arial" panose="020B0604020202020204"/>
             </a:endParaRPr>
           </a:p>
         </p:txBody>
@@ -7100,7 +7131,7 @@
           <a:lstStyle/>
           <a:p>
             <a:endParaRPr lang="en-US" sz="3200" b="0" strike="noStrike" spc="-1">
-              <a:latin typeface="Arial"/>
+              <a:latin typeface="Arial" panose="020B0604020202020204"/>
             </a:endParaRPr>
           </a:p>
         </p:txBody>
@@ -7131,7 +7162,7 @@
           <a:lstStyle/>
           <a:p>
             <a:endParaRPr lang="en-US" sz="3200" b="0" strike="noStrike" spc="-1">
-              <a:latin typeface="Arial"/>
+              <a:latin typeface="Arial" panose="020B0604020202020204"/>
             </a:endParaRPr>
           </a:p>
         </p:txBody>
@@ -7162,7 +7193,7 @@
           <a:lstStyle/>
           <a:p>
             <a:endParaRPr lang="en-US" sz="3200" b="0" strike="noStrike" spc="-1">
-              <a:latin typeface="Arial"/>
+              <a:latin typeface="Arial" panose="020B0604020202020204"/>
             </a:endParaRPr>
           </a:p>
         </p:txBody>
@@ -7217,7 +7248,7 @@
           <a:p>
             <a:pPr algn="ctr"/>
             <a:endParaRPr lang="en-US" sz="4400" b="0" strike="noStrike" spc="-1">
-              <a:latin typeface="Arial"/>
+              <a:latin typeface="Arial" panose="020B0604020202020204"/>
             </a:endParaRPr>
           </a:p>
         </p:txBody>
@@ -7248,7 +7279,7 @@
           <a:lstStyle/>
           <a:p>
             <a:endParaRPr lang="en-US" sz="3200" b="0" strike="noStrike" spc="-1">
-              <a:latin typeface="Arial"/>
+              <a:latin typeface="Arial" panose="020B0604020202020204"/>
             </a:endParaRPr>
           </a:p>
         </p:txBody>
@@ -7279,7 +7310,7 @@
           <a:lstStyle/>
           <a:p>
             <a:endParaRPr lang="en-US" sz="3200" b="0" strike="noStrike" spc="-1">
-              <a:latin typeface="Arial"/>
+              <a:latin typeface="Arial" panose="020B0604020202020204"/>
             </a:endParaRPr>
           </a:p>
         </p:txBody>
@@ -7310,7 +7341,7 @@
           <a:lstStyle/>
           <a:p>
             <a:endParaRPr lang="en-US" sz="3200" b="0" strike="noStrike" spc="-1">
-              <a:latin typeface="Arial"/>
+              <a:latin typeface="Arial" panose="020B0604020202020204"/>
             </a:endParaRPr>
           </a:p>
         </p:txBody>
@@ -7365,7 +7396,7 @@
           <a:p>
             <a:pPr algn="ctr"/>
             <a:endParaRPr lang="en-US" sz="4400" b="0" strike="noStrike" spc="-1">
-              <a:latin typeface="Arial"/>
+              <a:latin typeface="Arial" panose="020B0604020202020204"/>
             </a:endParaRPr>
           </a:p>
         </p:txBody>
@@ -7396,7 +7427,7 @@
           <a:lstStyle/>
           <a:p>
             <a:endParaRPr lang="en-US" sz="3200" b="0" strike="noStrike" spc="-1">
-              <a:latin typeface="Arial"/>
+              <a:latin typeface="Arial" panose="020B0604020202020204"/>
             </a:endParaRPr>
           </a:p>
         </p:txBody>
@@ -7427,7 +7458,7 @@
           <a:lstStyle/>
           <a:p>
             <a:endParaRPr lang="en-US" sz="3200" b="0" strike="noStrike" spc="-1">
-              <a:latin typeface="Arial"/>
+              <a:latin typeface="Arial" panose="020B0604020202020204"/>
             </a:endParaRPr>
           </a:p>
         </p:txBody>
@@ -7482,7 +7513,7 @@
           <a:p>
             <a:pPr algn="ctr"/>
             <a:endParaRPr lang="en-US" sz="4400" b="0" strike="noStrike" spc="-1">
-              <a:latin typeface="Arial"/>
+              <a:latin typeface="Arial" panose="020B0604020202020204"/>
             </a:endParaRPr>
           </a:p>
         </p:txBody>
@@ -7513,7 +7544,7 @@
           <a:lstStyle/>
           <a:p>
             <a:endParaRPr lang="en-US" sz="3200" b="0" strike="noStrike" spc="-1">
-              <a:latin typeface="Arial"/>
+              <a:latin typeface="Arial" panose="020B0604020202020204"/>
             </a:endParaRPr>
           </a:p>
         </p:txBody>
@@ -7544,7 +7575,7 @@
           <a:lstStyle/>
           <a:p>
             <a:endParaRPr lang="en-US" sz="3200" b="0" strike="noStrike" spc="-1">
-              <a:latin typeface="Arial"/>
+              <a:latin typeface="Arial" panose="020B0604020202020204"/>
             </a:endParaRPr>
           </a:p>
         </p:txBody>
@@ -7575,7 +7606,7 @@
           <a:lstStyle/>
           <a:p>
             <a:endParaRPr lang="en-US" sz="3200" b="0" strike="noStrike" spc="-1">
-              <a:latin typeface="Arial"/>
+              <a:latin typeface="Arial" panose="020B0604020202020204"/>
             </a:endParaRPr>
           </a:p>
         </p:txBody>
@@ -7606,7 +7637,7 @@
           <a:lstStyle/>
           <a:p>
             <a:endParaRPr lang="en-US" sz="3200" b="0" strike="noStrike" spc="-1">
-              <a:latin typeface="Arial"/>
+              <a:latin typeface="Arial" panose="020B0604020202020204"/>
             </a:endParaRPr>
           </a:p>
         </p:txBody>
@@ -7661,7 +7692,7 @@
           <a:p>
             <a:pPr algn="ctr"/>
             <a:endParaRPr lang="en-US" sz="3200" b="0" strike="noStrike" spc="-1">
-              <a:latin typeface="Arial"/>
+              <a:latin typeface="Arial" panose="020B0604020202020204"/>
             </a:endParaRPr>
           </a:p>
         </p:txBody>
@@ -7716,7 +7747,7 @@
           <a:p>
             <a:pPr algn="ctr"/>
             <a:endParaRPr lang="en-US" sz="4400" b="0" strike="noStrike" spc="-1">
-              <a:latin typeface="Arial"/>
+              <a:latin typeface="Arial" panose="020B0604020202020204"/>
             </a:endParaRPr>
           </a:p>
         </p:txBody>
@@ -7747,7 +7778,7 @@
           <a:lstStyle/>
           <a:p>
             <a:endParaRPr lang="en-US" sz="3200" b="0" strike="noStrike" spc="-1">
-              <a:latin typeface="Arial"/>
+              <a:latin typeface="Arial" panose="020B0604020202020204"/>
             </a:endParaRPr>
           </a:p>
         </p:txBody>
@@ -7778,7 +7809,7 @@
           <a:lstStyle/>
           <a:p>
             <a:endParaRPr lang="en-US" sz="3200" b="0" strike="noStrike" spc="-1">
-              <a:latin typeface="Arial"/>
+              <a:latin typeface="Arial" panose="020B0604020202020204"/>
             </a:endParaRPr>
           </a:p>
         </p:txBody>
@@ -7809,7 +7840,7 @@
           <a:lstStyle/>
           <a:p>
             <a:endParaRPr lang="en-US" sz="3200" b="0" strike="noStrike" spc="-1">
-              <a:latin typeface="Arial"/>
+              <a:latin typeface="Arial" panose="020B0604020202020204"/>
             </a:endParaRPr>
           </a:p>
         </p:txBody>
@@ -7840,7 +7871,7 @@
           <a:lstStyle/>
           <a:p>
             <a:endParaRPr lang="en-US" sz="3200" b="0" strike="noStrike" spc="-1">
-              <a:latin typeface="Arial"/>
+              <a:latin typeface="Arial" panose="020B0604020202020204"/>
             </a:endParaRPr>
           </a:p>
         </p:txBody>
@@ -7871,7 +7902,7 @@
           <a:lstStyle/>
           <a:p>
             <a:endParaRPr lang="en-US" sz="3200" b="0" strike="noStrike" spc="-1">
-              <a:latin typeface="Arial"/>
+              <a:latin typeface="Arial" panose="020B0604020202020204"/>
             </a:endParaRPr>
           </a:p>
         </p:txBody>
@@ -7902,7 +7933,7 @@
           <a:lstStyle/>
           <a:p>
             <a:endParaRPr lang="en-US" sz="3200" b="0" strike="noStrike" spc="-1">
-              <a:latin typeface="Arial"/>
+              <a:latin typeface="Arial" panose="020B0604020202020204"/>
             </a:endParaRPr>
           </a:p>
         </p:txBody>
@@ -7957,7 +7988,7 @@
           <a:p>
             <a:pPr algn="ctr"/>
             <a:endParaRPr lang="en-US" sz="4400" b="0" strike="noStrike" spc="-1">
-              <a:latin typeface="Arial"/>
+              <a:latin typeface="Arial" panose="020B0604020202020204"/>
             </a:endParaRPr>
           </a:p>
         </p:txBody>
@@ -7988,7 +8019,7 @@
           <a:lstStyle/>
           <a:p>
             <a:endParaRPr lang="en-US" sz="3200" b="0" strike="noStrike" spc="-1">
-              <a:latin typeface="Arial"/>
+              <a:latin typeface="Arial" panose="020B0604020202020204"/>
             </a:endParaRPr>
           </a:p>
         </p:txBody>
@@ -8019,7 +8050,7 @@
           <a:lstStyle/>
           <a:p>
             <a:endParaRPr lang="en-US" sz="3200" b="0" strike="noStrike" spc="-1">
-              <a:latin typeface="Arial"/>
+              <a:latin typeface="Arial" panose="020B0604020202020204"/>
             </a:endParaRPr>
           </a:p>
         </p:txBody>
@@ -8050,7 +8081,7 @@
           <a:lstStyle/>
           <a:p>
             <a:endParaRPr lang="en-US" sz="3200" b="0" strike="noStrike" spc="-1">
-              <a:latin typeface="Arial"/>
+              <a:latin typeface="Arial" panose="020B0604020202020204"/>
             </a:endParaRPr>
           </a:p>
         </p:txBody>
@@ -8105,7 +8136,7 @@
           <a:p>
             <a:pPr algn="ctr"/>
             <a:endParaRPr lang="en-US" sz="4400" b="0" strike="noStrike" spc="-1">
-              <a:latin typeface="Arial"/>
+              <a:latin typeface="Arial" panose="020B0604020202020204"/>
             </a:endParaRPr>
           </a:p>
         </p:txBody>
@@ -8136,7 +8167,7 @@
           <a:lstStyle/>
           <a:p>
             <a:endParaRPr lang="en-US" sz="3200" b="0" strike="noStrike" spc="-1">
-              <a:latin typeface="Arial"/>
+              <a:latin typeface="Arial" panose="020B0604020202020204"/>
             </a:endParaRPr>
           </a:p>
         </p:txBody>
@@ -8167,7 +8198,7 @@
           <a:lstStyle/>
           <a:p>
             <a:endParaRPr lang="en-US" sz="3200" b="0" strike="noStrike" spc="-1">
-              <a:latin typeface="Arial"/>
+              <a:latin typeface="Arial" panose="020B0604020202020204"/>
             </a:endParaRPr>
           </a:p>
         </p:txBody>
@@ -8198,7 +8229,7 @@
           <a:lstStyle/>
           <a:p>
             <a:endParaRPr lang="en-US" sz="3200" b="0" strike="noStrike" spc="-1">
-              <a:latin typeface="Arial"/>
+              <a:latin typeface="Arial" panose="020B0604020202020204"/>
             </a:endParaRPr>
           </a:p>
         </p:txBody>
@@ -8253,7 +8284,7 @@
           <a:p>
             <a:pPr algn="ctr"/>
             <a:endParaRPr lang="en-US" sz="4400" b="0" strike="noStrike" spc="-1">
-              <a:latin typeface="Arial"/>
+              <a:latin typeface="Arial" panose="020B0604020202020204"/>
             </a:endParaRPr>
           </a:p>
         </p:txBody>
@@ -8284,7 +8315,7 @@
           <a:lstStyle/>
           <a:p>
             <a:endParaRPr lang="en-US" sz="3200" b="0" strike="noStrike" spc="-1">
-              <a:latin typeface="Arial"/>
+              <a:latin typeface="Arial" panose="020B0604020202020204"/>
             </a:endParaRPr>
           </a:p>
         </p:txBody>
@@ -8315,7 +8346,7 @@
           <a:lstStyle/>
           <a:p>
             <a:endParaRPr lang="en-US" sz="3200" b="0" strike="noStrike" spc="-1">
-              <a:latin typeface="Arial"/>
+              <a:latin typeface="Arial" panose="020B0604020202020204"/>
             </a:endParaRPr>
           </a:p>
         </p:txBody>
@@ -8346,7 +8377,7 @@
           <a:lstStyle/>
           <a:p>
             <a:endParaRPr lang="en-US" sz="3200" b="0" strike="noStrike" spc="-1">
-              <a:latin typeface="Arial"/>
+              <a:latin typeface="Arial" panose="020B0604020202020204"/>
             </a:endParaRPr>
           </a:p>
         </p:txBody>
@@ -8391,8 +8422,10 @@
           <p:nvPr/>
         </p:nvPicPr>
         <p:blipFill>
-          <a:blip r:embed="rId14"/>
-          <a:stretch/>
+          <a:blip r:embed="rId13"/>
+          <a:stretch>
+            <a:fillRect/>
+          </a:stretch>
         </p:blipFill>
         <p:spPr>
           <a:xfrm>
@@ -8414,8 +8447,10 @@
           <p:nvPr/>
         </p:nvPicPr>
         <p:blipFill>
-          <a:blip r:embed="rId15"/>
-          <a:stretch/>
+          <a:blip r:embed="rId14"/>
+          <a:stretch>
+            <a:fillRect/>
+          </a:stretch>
         </p:blipFill>
         <p:spPr>
           <a:xfrm>
@@ -8456,10 +8491,13 @@
             <a:pPr algn="ctr"/>
             <a:r>
               <a:rPr lang="en-US" sz="4400" b="0" strike="noStrike" spc="-1">
-                <a:latin typeface="Arial"/>
+                <a:latin typeface="Arial" panose="020B0604020202020204"/>
               </a:rPr>
               <a:t>单击鼠标编辑标题文字格式</a:t>
             </a:r>
+            <a:endParaRPr lang="en-US" sz="4400" b="0" strike="noStrike" spc="-1">
+              <a:latin typeface="Arial" panose="020B0604020202020204"/>
+            </a:endParaRPr>
           </a:p>
         </p:txBody>
       </p:sp>
@@ -8488,45 +8526,51 @@
           </a:bodyPr>
           <a:lstStyle/>
           <a:p>
-            <a:pPr marL="432000" indent="-324000">
+            <a:pPr marL="431800" indent="-323850">
               <a:spcBef>
-                <a:spcPts val="1417"/>
+                <a:spcPts val="1415"/>
               </a:spcBef>
               <a:buClr>
                 <a:srgbClr val="000000"/>
               </a:buClr>
               <a:buSzPct val="45000"/>
-              <a:buFont typeface="Wingdings" charset="2"/>
+              <a:buFont typeface="Wingdings" panose="05000000000000000000" pitchFamily="2" charset="2"/>
               <a:buChar char=""/>
             </a:pPr>
             <a:r>
               <a:rPr lang="en-US" sz="3200" b="0" strike="noStrike" spc="-1">
-                <a:latin typeface="Arial"/>
+                <a:latin typeface="Arial" panose="020B0604020202020204"/>
               </a:rPr>
               <a:t>单击鼠标编辑大纲文字格式</a:t>
             </a:r>
-          </a:p>
-          <a:p>
-            <a:pPr marL="864000" lvl="1" indent="-324000">
+            <a:endParaRPr lang="en-US" sz="3200" b="0" strike="noStrike" spc="-1">
+              <a:latin typeface="Arial" panose="020B0604020202020204"/>
+            </a:endParaRPr>
+          </a:p>
+          <a:p>
+            <a:pPr marL="864235" lvl="1" indent="-323850">
               <a:spcBef>
-                <a:spcPts val="1134"/>
+                <a:spcPts val="1135"/>
               </a:spcBef>
               <a:buClr>
                 <a:srgbClr val="000000"/>
               </a:buClr>
               <a:buSzPct val="75000"/>
-              <a:buFont typeface="Symbol" charset="2"/>
+              <a:buFont typeface="Symbol" panose="05050102010706020507" charset="2"/>
               <a:buChar char=""/>
             </a:pPr>
             <a:r>
               <a:rPr lang="en-US" sz="2800" b="0" strike="noStrike" spc="-1">
-                <a:latin typeface="Arial"/>
+                <a:latin typeface="Arial" panose="020B0604020202020204"/>
               </a:rPr>
               <a:t>第二个大纲级</a:t>
             </a:r>
-          </a:p>
-          <a:p>
-            <a:pPr marL="1296000" lvl="2" indent="-288000">
+            <a:endParaRPr lang="en-US" sz="2800" b="0" strike="noStrike" spc="-1">
+              <a:latin typeface="Arial" panose="020B0604020202020204"/>
+            </a:endParaRPr>
+          </a:p>
+          <a:p>
+            <a:pPr marL="1296035" lvl="2" indent="-288290">
               <a:spcBef>
                 <a:spcPts val="850"/>
               </a:spcBef>
@@ -8534,91 +8578,106 @@
                 <a:srgbClr val="000000"/>
               </a:buClr>
               <a:buSzPct val="45000"/>
-              <a:buFont typeface="Wingdings" charset="2"/>
+              <a:buFont typeface="Wingdings" panose="05000000000000000000" pitchFamily="2" charset="2"/>
               <a:buChar char=""/>
             </a:pPr>
             <a:r>
               <a:rPr lang="en-US" sz="2400" b="0" strike="noStrike" spc="-1">
-                <a:latin typeface="Arial"/>
+                <a:latin typeface="Arial" panose="020B0604020202020204"/>
               </a:rPr>
               <a:t>第三大纲级别</a:t>
             </a:r>
-          </a:p>
-          <a:p>
-            <a:pPr marL="1728000" lvl="3" indent="-216000">
+            <a:endParaRPr lang="en-US" sz="2400" b="0" strike="noStrike" spc="-1">
+              <a:latin typeface="Arial" panose="020B0604020202020204"/>
+            </a:endParaRPr>
+          </a:p>
+          <a:p>
+            <a:pPr marL="1727835" lvl="3" indent="-215900">
               <a:spcBef>
-                <a:spcPts val="567"/>
+                <a:spcPts val="565"/>
               </a:spcBef>
               <a:buClr>
                 <a:srgbClr val="000000"/>
               </a:buClr>
               <a:buSzPct val="75000"/>
-              <a:buFont typeface="Symbol" charset="2"/>
+              <a:buFont typeface="Symbol" panose="05050102010706020507" charset="2"/>
               <a:buChar char=""/>
             </a:pPr>
             <a:r>
               <a:rPr lang="en-US" sz="2000" b="0" strike="noStrike" spc="-1">
-                <a:latin typeface="Arial"/>
+                <a:latin typeface="Arial" panose="020B0604020202020204"/>
               </a:rPr>
               <a:t>第四大纲级别</a:t>
             </a:r>
-          </a:p>
-          <a:p>
-            <a:pPr marL="2160000" lvl="4" indent="-216000">
+            <a:endParaRPr lang="en-US" sz="2000" b="0" strike="noStrike" spc="-1">
+              <a:latin typeface="Arial" panose="020B0604020202020204"/>
+            </a:endParaRPr>
+          </a:p>
+          <a:p>
+            <a:pPr marL="2160270" lvl="4" indent="-215900">
               <a:spcBef>
-                <a:spcPts val="283"/>
+                <a:spcPts val="285"/>
               </a:spcBef>
               <a:buClr>
                 <a:srgbClr val="000000"/>
               </a:buClr>
               <a:buSzPct val="45000"/>
-              <a:buFont typeface="Wingdings" charset="2"/>
+              <a:buFont typeface="Wingdings" panose="05000000000000000000" pitchFamily="2" charset="2"/>
               <a:buChar char=""/>
             </a:pPr>
             <a:r>
               <a:rPr lang="en-US" sz="2000" b="0" strike="noStrike" spc="-1">
-                <a:latin typeface="Arial"/>
+                <a:latin typeface="Arial" panose="020B0604020202020204"/>
               </a:rPr>
               <a:t>第五大纲级别</a:t>
             </a:r>
-          </a:p>
-          <a:p>
-            <a:pPr marL="2592000" lvl="5" indent="-216000">
+            <a:endParaRPr lang="en-US" sz="2000" b="0" strike="noStrike" spc="-1">
+              <a:latin typeface="Arial" panose="020B0604020202020204"/>
+            </a:endParaRPr>
+          </a:p>
+          <a:p>
+            <a:pPr marL="2592070" lvl="5" indent="-215900">
               <a:spcBef>
-                <a:spcPts val="283"/>
+                <a:spcPts val="285"/>
               </a:spcBef>
               <a:buClr>
                 <a:srgbClr val="000000"/>
               </a:buClr>
               <a:buSzPct val="45000"/>
-              <a:buFont typeface="Wingdings" charset="2"/>
+              <a:buFont typeface="Wingdings" panose="05000000000000000000" pitchFamily="2" charset="2"/>
               <a:buChar char=""/>
             </a:pPr>
             <a:r>
               <a:rPr lang="en-US" sz="2000" b="0" strike="noStrike" spc="-1">
-                <a:latin typeface="Arial"/>
+                <a:latin typeface="Arial" panose="020B0604020202020204"/>
               </a:rPr>
               <a:t>第六大纲级别</a:t>
             </a:r>
-          </a:p>
-          <a:p>
-            <a:pPr marL="3024000" lvl="6" indent="-216000">
+            <a:endParaRPr lang="en-US" sz="2000" b="0" strike="noStrike" spc="-1">
+              <a:latin typeface="Arial" panose="020B0604020202020204"/>
+            </a:endParaRPr>
+          </a:p>
+          <a:p>
+            <a:pPr marL="3023870" lvl="6" indent="-215900">
               <a:spcBef>
-                <a:spcPts val="283"/>
+                <a:spcPts val="285"/>
               </a:spcBef>
               <a:buClr>
                 <a:srgbClr val="000000"/>
               </a:buClr>
               <a:buSzPct val="45000"/>
-              <a:buFont typeface="Wingdings" charset="2"/>
+              <a:buFont typeface="Wingdings" panose="05000000000000000000" pitchFamily="2" charset="2"/>
               <a:buChar char=""/>
             </a:pPr>
             <a:r>
               <a:rPr lang="en-US" sz="2000" b="0" strike="noStrike" spc="-1">
-                <a:latin typeface="Arial"/>
+                <a:latin typeface="Arial" panose="020B0604020202020204"/>
               </a:rPr>
               <a:t>第七大纲级别</a:t>
             </a:r>
+            <a:endParaRPr lang="en-US" sz="2000" b="0" strike="noStrike" spc="-1">
+              <a:latin typeface="Arial" panose="020B0604020202020204"/>
+            </a:endParaRPr>
           </a:p>
         </p:txBody>
       </p:sp>
@@ -9050,7 +9109,7 @@
           <a:bodyPr wrap="none" lIns="0" tIns="0" rIns="72000" bIns="0"/>
           <a:lstStyle/>
           <a:p>
-            <a:pPr marL="93600" indent="-92520" algn="r">
+            <a:pPr marL="93345" indent="-92710" algn="r">
               <a:lnSpc>
                 <a:spcPct val="100000"/>
               </a:lnSpc>
@@ -9060,13 +9119,12 @@
                 <a:solidFill>
                   <a:srgbClr val="FFFFFF"/>
                 </a:solidFill>
-                <a:latin typeface="Arial"/>
+                <a:latin typeface="Arial" panose="020B0604020202020204"/>
                 <a:ea typeface="DejaVu Sans"/>
               </a:rPr>
-              <a:t>‹#›</a:t>
             </a:fld>
             <a:endParaRPr lang="en-US" sz="800" b="0" strike="noStrike" spc="-1">
-              <a:latin typeface="Arial"/>
+              <a:latin typeface="Arial" panose="020B0604020202020204"/>
             </a:endParaRPr>
           </a:p>
         </p:txBody>
@@ -9112,8 +9170,10 @@
           <p:nvPr/>
         </p:nvPicPr>
         <p:blipFill>
-          <a:blip r:embed="rId14"/>
-          <a:stretch/>
+          <a:blip r:embed="rId13"/>
+          <a:stretch>
+            <a:fillRect/>
+          </a:stretch>
         </p:blipFill>
         <p:spPr>
           <a:xfrm>
@@ -9135,8 +9195,10 @@
           <p:nvPr/>
         </p:nvPicPr>
         <p:blipFill>
-          <a:blip r:embed="rId15"/>
-          <a:stretch/>
+          <a:blip r:embed="rId14"/>
+          <a:stretch>
+            <a:fillRect/>
+          </a:stretch>
         </p:blipFill>
         <p:spPr>
           <a:xfrm>
@@ -9177,10 +9239,13 @@
             <a:pPr algn="ctr"/>
             <a:r>
               <a:rPr lang="en-US" sz="4400" b="0" strike="noStrike" spc="-1">
-                <a:latin typeface="Arial"/>
+                <a:latin typeface="Arial" panose="020B0604020202020204"/>
               </a:rPr>
               <a:t>单击鼠标编辑标题文字格式</a:t>
             </a:r>
+            <a:endParaRPr lang="en-US" sz="4400" b="0" strike="noStrike" spc="-1">
+              <a:latin typeface="Arial" panose="020B0604020202020204"/>
+            </a:endParaRPr>
           </a:p>
         </p:txBody>
       </p:sp>
@@ -9209,45 +9274,51 @@
           </a:bodyPr>
           <a:lstStyle/>
           <a:p>
-            <a:pPr marL="432000" indent="-324000">
+            <a:pPr marL="431800" indent="-323850">
               <a:spcBef>
-                <a:spcPts val="1417"/>
+                <a:spcPts val="1415"/>
               </a:spcBef>
               <a:buClr>
                 <a:srgbClr val="000000"/>
               </a:buClr>
               <a:buSzPct val="45000"/>
-              <a:buFont typeface="Wingdings" charset="2"/>
+              <a:buFont typeface="Wingdings" panose="05000000000000000000" pitchFamily="2" charset="2"/>
               <a:buChar char=""/>
             </a:pPr>
             <a:r>
               <a:rPr lang="en-US" sz="3200" b="0" strike="noStrike" spc="-1">
-                <a:latin typeface="Arial"/>
+                <a:latin typeface="Arial" panose="020B0604020202020204"/>
               </a:rPr>
               <a:t>单击鼠标编辑大纲文字格式</a:t>
             </a:r>
-          </a:p>
-          <a:p>
-            <a:pPr marL="864000" lvl="1" indent="-324000">
+            <a:endParaRPr lang="en-US" sz="3200" b="0" strike="noStrike" spc="-1">
+              <a:latin typeface="Arial" panose="020B0604020202020204"/>
+            </a:endParaRPr>
+          </a:p>
+          <a:p>
+            <a:pPr marL="864235" lvl="1" indent="-323850">
               <a:spcBef>
-                <a:spcPts val="1134"/>
+                <a:spcPts val="1135"/>
               </a:spcBef>
               <a:buClr>
                 <a:srgbClr val="000000"/>
               </a:buClr>
               <a:buSzPct val="75000"/>
-              <a:buFont typeface="Symbol" charset="2"/>
+              <a:buFont typeface="Symbol" panose="05050102010706020507" charset="2"/>
               <a:buChar char=""/>
             </a:pPr>
             <a:r>
               <a:rPr lang="en-US" sz="2800" b="0" strike="noStrike" spc="-1">
-                <a:latin typeface="Arial"/>
+                <a:latin typeface="Arial" panose="020B0604020202020204"/>
               </a:rPr>
               <a:t>第二个大纲级</a:t>
             </a:r>
-          </a:p>
-          <a:p>
-            <a:pPr marL="1296000" lvl="2" indent="-288000">
+            <a:endParaRPr lang="en-US" sz="2800" b="0" strike="noStrike" spc="-1">
+              <a:latin typeface="Arial" panose="020B0604020202020204"/>
+            </a:endParaRPr>
+          </a:p>
+          <a:p>
+            <a:pPr marL="1296035" lvl="2" indent="-288290">
               <a:spcBef>
                 <a:spcPts val="850"/>
               </a:spcBef>
@@ -9255,91 +9326,106 @@
                 <a:srgbClr val="000000"/>
               </a:buClr>
               <a:buSzPct val="45000"/>
-              <a:buFont typeface="Wingdings" charset="2"/>
+              <a:buFont typeface="Wingdings" panose="05000000000000000000" pitchFamily="2" charset="2"/>
               <a:buChar char=""/>
             </a:pPr>
             <a:r>
               <a:rPr lang="en-US" sz="2400" b="0" strike="noStrike" spc="-1">
-                <a:latin typeface="Arial"/>
+                <a:latin typeface="Arial" panose="020B0604020202020204"/>
               </a:rPr>
               <a:t>第三大纲级别</a:t>
             </a:r>
-          </a:p>
-          <a:p>
-            <a:pPr marL="1728000" lvl="3" indent="-216000">
+            <a:endParaRPr lang="en-US" sz="2400" b="0" strike="noStrike" spc="-1">
+              <a:latin typeface="Arial" panose="020B0604020202020204"/>
+            </a:endParaRPr>
+          </a:p>
+          <a:p>
+            <a:pPr marL="1727835" lvl="3" indent="-215900">
               <a:spcBef>
-                <a:spcPts val="567"/>
+                <a:spcPts val="565"/>
               </a:spcBef>
               <a:buClr>
                 <a:srgbClr val="000000"/>
               </a:buClr>
               <a:buSzPct val="75000"/>
-              <a:buFont typeface="Symbol" charset="2"/>
+              <a:buFont typeface="Symbol" panose="05050102010706020507" charset="2"/>
               <a:buChar char=""/>
             </a:pPr>
             <a:r>
               <a:rPr lang="en-US" sz="2000" b="0" strike="noStrike" spc="-1">
-                <a:latin typeface="Arial"/>
+                <a:latin typeface="Arial" panose="020B0604020202020204"/>
               </a:rPr>
               <a:t>第四大纲级别</a:t>
             </a:r>
-          </a:p>
-          <a:p>
-            <a:pPr marL="2160000" lvl="4" indent="-216000">
+            <a:endParaRPr lang="en-US" sz="2000" b="0" strike="noStrike" spc="-1">
+              <a:latin typeface="Arial" panose="020B0604020202020204"/>
+            </a:endParaRPr>
+          </a:p>
+          <a:p>
+            <a:pPr marL="2160270" lvl="4" indent="-215900">
               <a:spcBef>
-                <a:spcPts val="283"/>
+                <a:spcPts val="285"/>
               </a:spcBef>
               <a:buClr>
                 <a:srgbClr val="000000"/>
               </a:buClr>
               <a:buSzPct val="45000"/>
-              <a:buFont typeface="Wingdings" charset="2"/>
+              <a:buFont typeface="Wingdings" panose="05000000000000000000" pitchFamily="2" charset="2"/>
               <a:buChar char=""/>
             </a:pPr>
             <a:r>
               <a:rPr lang="en-US" sz="2000" b="0" strike="noStrike" spc="-1">
-                <a:latin typeface="Arial"/>
+                <a:latin typeface="Arial" panose="020B0604020202020204"/>
               </a:rPr>
               <a:t>第五大纲级别</a:t>
             </a:r>
-          </a:p>
-          <a:p>
-            <a:pPr marL="2592000" lvl="5" indent="-216000">
+            <a:endParaRPr lang="en-US" sz="2000" b="0" strike="noStrike" spc="-1">
+              <a:latin typeface="Arial" panose="020B0604020202020204"/>
+            </a:endParaRPr>
+          </a:p>
+          <a:p>
+            <a:pPr marL="2592070" lvl="5" indent="-215900">
               <a:spcBef>
-                <a:spcPts val="283"/>
+                <a:spcPts val="285"/>
               </a:spcBef>
               <a:buClr>
                 <a:srgbClr val="000000"/>
               </a:buClr>
               <a:buSzPct val="45000"/>
-              <a:buFont typeface="Wingdings" charset="2"/>
+              <a:buFont typeface="Wingdings" panose="05000000000000000000" pitchFamily="2" charset="2"/>
               <a:buChar char=""/>
             </a:pPr>
             <a:r>
               <a:rPr lang="en-US" sz="2000" b="0" strike="noStrike" spc="-1">
-                <a:latin typeface="Arial"/>
+                <a:latin typeface="Arial" panose="020B0604020202020204"/>
               </a:rPr>
               <a:t>第六大纲级别</a:t>
             </a:r>
-          </a:p>
-          <a:p>
-            <a:pPr marL="3024000" lvl="6" indent="-216000">
+            <a:endParaRPr lang="en-US" sz="2000" b="0" strike="noStrike" spc="-1">
+              <a:latin typeface="Arial" panose="020B0604020202020204"/>
+            </a:endParaRPr>
+          </a:p>
+          <a:p>
+            <a:pPr marL="3023870" lvl="6" indent="-215900">
               <a:spcBef>
-                <a:spcPts val="283"/>
+                <a:spcPts val="285"/>
               </a:spcBef>
               <a:buClr>
                 <a:srgbClr val="000000"/>
               </a:buClr>
               <a:buSzPct val="45000"/>
-              <a:buFont typeface="Wingdings" charset="2"/>
+              <a:buFont typeface="Wingdings" panose="05000000000000000000" pitchFamily="2" charset="2"/>
               <a:buChar char=""/>
             </a:pPr>
             <a:r>
               <a:rPr lang="en-US" sz="2000" b="0" strike="noStrike" spc="-1">
-                <a:latin typeface="Arial"/>
+                <a:latin typeface="Arial" panose="020B0604020202020204"/>
               </a:rPr>
               <a:t>第七大纲级别</a:t>
             </a:r>
+            <a:endParaRPr lang="en-US" sz="2000" b="0" strike="noStrike" spc="-1">
+              <a:latin typeface="Arial" panose="020B0604020202020204"/>
+            </a:endParaRPr>
           </a:p>
         </p:txBody>
       </p:sp>
@@ -9771,7 +9857,7 @@
           <a:bodyPr wrap="none" lIns="0" tIns="0" rIns="72000" bIns="0"/>
           <a:lstStyle/>
           <a:p>
-            <a:pPr marL="93600" indent="-92520" algn="r">
+            <a:pPr marL="93345" indent="-92710" algn="r">
               <a:lnSpc>
                 <a:spcPct val="100000"/>
               </a:lnSpc>
@@ -9781,13 +9867,12 @@
                 <a:solidFill>
                   <a:srgbClr val="FFFFFF"/>
                 </a:solidFill>
-                <a:latin typeface="Arial"/>
+                <a:latin typeface="Arial" panose="020B0604020202020204"/>
                 <a:ea typeface="DejaVu Sans"/>
               </a:rPr>
-              <a:t>‹#›</a:t>
             </a:fld>
             <a:endParaRPr lang="en-US" sz="800" b="0" strike="noStrike" spc="-1">
-              <a:latin typeface="Arial"/>
+              <a:latin typeface="Arial" panose="020B0604020202020204"/>
             </a:endParaRPr>
           </a:p>
         </p:txBody>
@@ -9799,8 +9884,10 @@
           <p:nvPr/>
         </p:nvPicPr>
         <p:blipFill>
-          <a:blip r:embed="rId14"/>
-          <a:stretch/>
+          <a:blip r:embed="rId13"/>
+          <a:stretch>
+            <a:fillRect/>
+          </a:stretch>
         </p:blipFill>
         <p:spPr>
           <a:xfrm>
@@ -9841,10 +9928,13 @@
             <a:pPr algn="ctr"/>
             <a:r>
               <a:rPr lang="en-US" sz="4400" b="0" strike="noStrike" spc="-1">
-                <a:latin typeface="Arial"/>
+                <a:latin typeface="Arial" panose="020B0604020202020204"/>
               </a:rPr>
               <a:t>单击鼠标编辑标题文字格式</a:t>
             </a:r>
+            <a:endParaRPr lang="en-US" sz="4400" b="0" strike="noStrike" spc="-1">
+              <a:latin typeface="Arial" panose="020B0604020202020204"/>
+            </a:endParaRPr>
           </a:p>
         </p:txBody>
       </p:sp>
@@ -9873,45 +9963,51 @@
           </a:bodyPr>
           <a:lstStyle/>
           <a:p>
-            <a:pPr marL="432000" indent="-324000">
+            <a:pPr marL="431800" indent="-323850">
               <a:spcBef>
-                <a:spcPts val="1417"/>
+                <a:spcPts val="1415"/>
               </a:spcBef>
               <a:buClr>
                 <a:srgbClr val="000000"/>
               </a:buClr>
               <a:buSzPct val="45000"/>
-              <a:buFont typeface="Wingdings" charset="2"/>
+              <a:buFont typeface="Wingdings" panose="05000000000000000000" pitchFamily="2" charset="2"/>
               <a:buChar char=""/>
             </a:pPr>
             <a:r>
               <a:rPr lang="en-US" sz="3200" b="0" strike="noStrike" spc="-1">
-                <a:latin typeface="Arial"/>
+                <a:latin typeface="Arial" panose="020B0604020202020204"/>
               </a:rPr>
               <a:t>单击鼠标编辑大纲文字格式</a:t>
             </a:r>
-          </a:p>
-          <a:p>
-            <a:pPr marL="864000" lvl="1" indent="-324000">
+            <a:endParaRPr lang="en-US" sz="3200" b="0" strike="noStrike" spc="-1">
+              <a:latin typeface="Arial" panose="020B0604020202020204"/>
+            </a:endParaRPr>
+          </a:p>
+          <a:p>
+            <a:pPr marL="864235" lvl="1" indent="-323850">
               <a:spcBef>
-                <a:spcPts val="1134"/>
+                <a:spcPts val="1135"/>
               </a:spcBef>
               <a:buClr>
                 <a:srgbClr val="000000"/>
               </a:buClr>
               <a:buSzPct val="75000"/>
-              <a:buFont typeface="Symbol" charset="2"/>
+              <a:buFont typeface="Symbol" panose="05050102010706020507" charset="2"/>
               <a:buChar char=""/>
             </a:pPr>
             <a:r>
               <a:rPr lang="en-US" sz="2800" b="0" strike="noStrike" spc="-1">
-                <a:latin typeface="Arial"/>
+                <a:latin typeface="Arial" panose="020B0604020202020204"/>
               </a:rPr>
               <a:t>第二个大纲级</a:t>
             </a:r>
-          </a:p>
-          <a:p>
-            <a:pPr marL="1296000" lvl="2" indent="-288000">
+            <a:endParaRPr lang="en-US" sz="2800" b="0" strike="noStrike" spc="-1">
+              <a:latin typeface="Arial" panose="020B0604020202020204"/>
+            </a:endParaRPr>
+          </a:p>
+          <a:p>
+            <a:pPr marL="1296035" lvl="2" indent="-288290">
               <a:spcBef>
                 <a:spcPts val="850"/>
               </a:spcBef>
@@ -9919,91 +10015,106 @@
                 <a:srgbClr val="000000"/>
               </a:buClr>
               <a:buSzPct val="45000"/>
-              <a:buFont typeface="Wingdings" charset="2"/>
+              <a:buFont typeface="Wingdings" panose="05000000000000000000" pitchFamily="2" charset="2"/>
               <a:buChar char=""/>
             </a:pPr>
             <a:r>
               <a:rPr lang="en-US" sz="2400" b="0" strike="noStrike" spc="-1">
-                <a:latin typeface="Arial"/>
+                <a:latin typeface="Arial" panose="020B0604020202020204"/>
               </a:rPr>
               <a:t>第三大纲级别</a:t>
             </a:r>
-          </a:p>
-          <a:p>
-            <a:pPr marL="1728000" lvl="3" indent="-216000">
+            <a:endParaRPr lang="en-US" sz="2400" b="0" strike="noStrike" spc="-1">
+              <a:latin typeface="Arial" panose="020B0604020202020204"/>
+            </a:endParaRPr>
+          </a:p>
+          <a:p>
+            <a:pPr marL="1727835" lvl="3" indent="-215900">
               <a:spcBef>
-                <a:spcPts val="567"/>
+                <a:spcPts val="565"/>
               </a:spcBef>
               <a:buClr>
                 <a:srgbClr val="000000"/>
               </a:buClr>
               <a:buSzPct val="75000"/>
-              <a:buFont typeface="Symbol" charset="2"/>
+              <a:buFont typeface="Symbol" panose="05050102010706020507" charset="2"/>
               <a:buChar char=""/>
             </a:pPr>
             <a:r>
               <a:rPr lang="en-US" sz="2000" b="0" strike="noStrike" spc="-1">
-                <a:latin typeface="Arial"/>
+                <a:latin typeface="Arial" panose="020B0604020202020204"/>
               </a:rPr>
               <a:t>第四大纲级别</a:t>
             </a:r>
-          </a:p>
-          <a:p>
-            <a:pPr marL="2160000" lvl="4" indent="-216000">
+            <a:endParaRPr lang="en-US" sz="2000" b="0" strike="noStrike" spc="-1">
+              <a:latin typeface="Arial" panose="020B0604020202020204"/>
+            </a:endParaRPr>
+          </a:p>
+          <a:p>
+            <a:pPr marL="2160270" lvl="4" indent="-215900">
               <a:spcBef>
-                <a:spcPts val="283"/>
+                <a:spcPts val="285"/>
               </a:spcBef>
               <a:buClr>
                 <a:srgbClr val="000000"/>
               </a:buClr>
               <a:buSzPct val="45000"/>
-              <a:buFont typeface="Wingdings" charset="2"/>
+              <a:buFont typeface="Wingdings" panose="05000000000000000000" pitchFamily="2" charset="2"/>
               <a:buChar char=""/>
             </a:pPr>
             <a:r>
               <a:rPr lang="en-US" sz="2000" b="0" strike="noStrike" spc="-1">
-                <a:latin typeface="Arial"/>
+                <a:latin typeface="Arial" panose="020B0604020202020204"/>
               </a:rPr>
               <a:t>第五大纲级别</a:t>
             </a:r>
-          </a:p>
-          <a:p>
-            <a:pPr marL="2592000" lvl="5" indent="-216000">
+            <a:endParaRPr lang="en-US" sz="2000" b="0" strike="noStrike" spc="-1">
+              <a:latin typeface="Arial" panose="020B0604020202020204"/>
+            </a:endParaRPr>
+          </a:p>
+          <a:p>
+            <a:pPr marL="2592070" lvl="5" indent="-215900">
               <a:spcBef>
-                <a:spcPts val="283"/>
+                <a:spcPts val="285"/>
               </a:spcBef>
               <a:buClr>
                 <a:srgbClr val="000000"/>
               </a:buClr>
               <a:buSzPct val="45000"/>
-              <a:buFont typeface="Wingdings" charset="2"/>
+              <a:buFont typeface="Wingdings" panose="05000000000000000000" pitchFamily="2" charset="2"/>
               <a:buChar char=""/>
             </a:pPr>
             <a:r>
               <a:rPr lang="en-US" sz="2000" b="0" strike="noStrike" spc="-1">
-                <a:latin typeface="Arial"/>
+                <a:latin typeface="Arial" panose="020B0604020202020204"/>
               </a:rPr>
               <a:t>第六大纲级别</a:t>
             </a:r>
-          </a:p>
-          <a:p>
-            <a:pPr marL="3024000" lvl="6" indent="-216000">
+            <a:endParaRPr lang="en-US" sz="2000" b="0" strike="noStrike" spc="-1">
+              <a:latin typeface="Arial" panose="020B0604020202020204"/>
+            </a:endParaRPr>
+          </a:p>
+          <a:p>
+            <a:pPr marL="3023870" lvl="6" indent="-215900">
               <a:spcBef>
-                <a:spcPts val="283"/>
+                <a:spcPts val="285"/>
               </a:spcBef>
               <a:buClr>
                 <a:srgbClr val="000000"/>
               </a:buClr>
               <a:buSzPct val="45000"/>
-              <a:buFont typeface="Wingdings" charset="2"/>
+              <a:buFont typeface="Wingdings" panose="05000000000000000000" pitchFamily="2" charset="2"/>
               <a:buChar char=""/>
             </a:pPr>
             <a:r>
               <a:rPr lang="en-US" sz="2000" b="0" strike="noStrike" spc="-1">
-                <a:latin typeface="Arial"/>
+                <a:latin typeface="Arial" panose="020B0604020202020204"/>
               </a:rPr>
               <a:t>第七大纲级别</a:t>
             </a:r>
+            <a:endParaRPr lang="en-US" sz="2000" b="0" strike="noStrike" spc="-1">
+              <a:latin typeface="Arial" panose="020B0604020202020204"/>
+            </a:endParaRPr>
           </a:p>
         </p:txBody>
       </p:sp>
@@ -10435,14 +10546,14 @@
           <a:bodyPr wrap="none" lIns="64440" tIns="0" rIns="0" bIns="0"/>
           <a:lstStyle/>
           <a:p>
-            <a:pPr marL="119160" indent="-118080">
+            <a:pPr marL="119380" indent="-118110">
               <a:lnSpc>
                 <a:spcPct val="100000"/>
               </a:lnSpc>
               <a:buClr>
                 <a:srgbClr val="FFFFFF"/>
               </a:buClr>
-              <a:buFont typeface="Arial"/>
+              <a:buFont typeface="Arial" panose="020B0604020202020204"/>
               <a:buChar char="©"/>
             </a:pPr>
             <a:r>
@@ -10450,13 +10561,13 @@
                 <a:solidFill>
                   <a:srgbClr val="FFFFFF"/>
                 </a:solidFill>
-                <a:latin typeface="Arial"/>
+                <a:latin typeface="Arial" panose="020B0604020202020204"/>
                 <a:ea typeface="DejaVu Sans"/>
               </a:rPr>
               <a:t>2017 AVA Inc.. All rights reserved.</a:t>
             </a:r>
             <a:endParaRPr lang="en-US" sz="750" b="0" strike="noStrike" spc="-1">
-              <a:latin typeface="Arial"/>
+              <a:latin typeface="Arial" panose="020B0604020202020204"/>
             </a:endParaRPr>
           </a:p>
         </p:txBody>
@@ -10496,7 +10607,7 @@
           <a:bodyPr wrap="none" lIns="0" tIns="0" rIns="64440" bIns="0"/>
           <a:lstStyle/>
           <a:p>
-            <a:pPr marL="83520" indent="-82440" algn="r">
+            <a:pPr marL="83820" indent="-82550" algn="r">
               <a:lnSpc>
                 <a:spcPct val="100000"/>
               </a:lnSpc>
@@ -10506,13 +10617,12 @@
                 <a:solidFill>
                   <a:srgbClr val="FFFFFF"/>
                 </a:solidFill>
-                <a:latin typeface="Arial"/>
+                <a:latin typeface="Arial" panose="020B0604020202020204"/>
                 <a:ea typeface="DejaVu Sans"/>
               </a:rPr>
-              <a:t>‹#›</a:t>
             </a:fld>
             <a:endParaRPr lang="en-US" sz="750" b="0" strike="noStrike" spc="-1">
-              <a:latin typeface="Arial"/>
+              <a:latin typeface="Arial" panose="020B0604020202020204"/>
             </a:endParaRPr>
           </a:p>
         </p:txBody>
@@ -10524,8 +10634,10 @@
           <p:nvPr/>
         </p:nvPicPr>
         <p:blipFill>
-          <a:blip r:embed="rId14"/>
-          <a:stretch/>
+          <a:blip r:embed="rId13"/>
+          <a:stretch>
+            <a:fillRect/>
+          </a:stretch>
         </p:blipFill>
         <p:spPr>
           <a:xfrm>
@@ -10547,8 +10659,10 @@
           <p:nvPr/>
         </p:nvPicPr>
         <p:blipFill>
-          <a:blip r:embed="rId15"/>
-          <a:stretch/>
+          <a:blip r:embed="rId14"/>
+          <a:stretch>
+            <a:fillRect/>
+          </a:stretch>
         </p:blipFill>
         <p:spPr>
           <a:xfrm>
@@ -10589,10 +10703,13 @@
             <a:pPr algn="ctr"/>
             <a:r>
               <a:rPr lang="en-US" sz="4400" b="0" strike="noStrike" spc="-1">
-                <a:latin typeface="Arial"/>
+                <a:latin typeface="Arial" panose="020B0604020202020204"/>
               </a:rPr>
               <a:t>单击鼠标编辑标题文字格式</a:t>
             </a:r>
+            <a:endParaRPr lang="en-US" sz="4400" b="0" strike="noStrike" spc="-1">
+              <a:latin typeface="Arial" panose="020B0604020202020204"/>
+            </a:endParaRPr>
           </a:p>
         </p:txBody>
       </p:sp>
@@ -10621,45 +10738,51 @@
           </a:bodyPr>
           <a:lstStyle/>
           <a:p>
-            <a:pPr marL="432000" indent="-324000">
+            <a:pPr marL="431800" indent="-323850">
               <a:spcBef>
-                <a:spcPts val="1417"/>
+                <a:spcPts val="1415"/>
               </a:spcBef>
               <a:buClr>
                 <a:srgbClr val="000000"/>
               </a:buClr>
               <a:buSzPct val="45000"/>
-              <a:buFont typeface="Wingdings" charset="2"/>
+              <a:buFont typeface="Wingdings" panose="05000000000000000000" pitchFamily="2" charset="2"/>
               <a:buChar char=""/>
             </a:pPr>
             <a:r>
               <a:rPr lang="en-US" sz="3200" b="0" strike="noStrike" spc="-1">
-                <a:latin typeface="Arial"/>
+                <a:latin typeface="Arial" panose="020B0604020202020204"/>
               </a:rPr>
               <a:t>单击鼠标编辑大纲文字格式</a:t>
             </a:r>
-          </a:p>
-          <a:p>
-            <a:pPr marL="864000" lvl="1" indent="-324000">
+            <a:endParaRPr lang="en-US" sz="3200" b="0" strike="noStrike" spc="-1">
+              <a:latin typeface="Arial" panose="020B0604020202020204"/>
+            </a:endParaRPr>
+          </a:p>
+          <a:p>
+            <a:pPr marL="864235" lvl="1" indent="-323850">
               <a:spcBef>
-                <a:spcPts val="1134"/>
+                <a:spcPts val="1135"/>
               </a:spcBef>
               <a:buClr>
                 <a:srgbClr val="000000"/>
               </a:buClr>
               <a:buSzPct val="75000"/>
-              <a:buFont typeface="Symbol" charset="2"/>
+              <a:buFont typeface="Symbol" panose="05050102010706020507" charset="2"/>
               <a:buChar char=""/>
             </a:pPr>
             <a:r>
               <a:rPr lang="en-US" sz="2800" b="0" strike="noStrike" spc="-1">
-                <a:latin typeface="Arial"/>
+                <a:latin typeface="Arial" panose="020B0604020202020204"/>
               </a:rPr>
               <a:t>第二个大纲级</a:t>
             </a:r>
-          </a:p>
-          <a:p>
-            <a:pPr marL="1296000" lvl="2" indent="-288000">
+            <a:endParaRPr lang="en-US" sz="2800" b="0" strike="noStrike" spc="-1">
+              <a:latin typeface="Arial" panose="020B0604020202020204"/>
+            </a:endParaRPr>
+          </a:p>
+          <a:p>
+            <a:pPr marL="1296035" lvl="2" indent="-288290">
               <a:spcBef>
                 <a:spcPts val="850"/>
               </a:spcBef>
@@ -10667,91 +10790,106 @@
                 <a:srgbClr val="000000"/>
               </a:buClr>
               <a:buSzPct val="45000"/>
-              <a:buFont typeface="Wingdings" charset="2"/>
+              <a:buFont typeface="Wingdings" panose="05000000000000000000" pitchFamily="2" charset="2"/>
               <a:buChar char=""/>
             </a:pPr>
             <a:r>
               <a:rPr lang="en-US" sz="2400" b="0" strike="noStrike" spc="-1">
-                <a:latin typeface="Arial"/>
+                <a:latin typeface="Arial" panose="020B0604020202020204"/>
               </a:rPr>
               <a:t>第三大纲级别</a:t>
             </a:r>
-          </a:p>
-          <a:p>
-            <a:pPr marL="1728000" lvl="3" indent="-216000">
+            <a:endParaRPr lang="en-US" sz="2400" b="0" strike="noStrike" spc="-1">
+              <a:latin typeface="Arial" panose="020B0604020202020204"/>
+            </a:endParaRPr>
+          </a:p>
+          <a:p>
+            <a:pPr marL="1727835" lvl="3" indent="-215900">
               <a:spcBef>
-                <a:spcPts val="567"/>
+                <a:spcPts val="565"/>
               </a:spcBef>
               <a:buClr>
                 <a:srgbClr val="000000"/>
               </a:buClr>
               <a:buSzPct val="75000"/>
-              <a:buFont typeface="Symbol" charset="2"/>
+              <a:buFont typeface="Symbol" panose="05050102010706020507" charset="2"/>
               <a:buChar char=""/>
             </a:pPr>
             <a:r>
               <a:rPr lang="en-US" sz="2000" b="0" strike="noStrike" spc="-1">
-                <a:latin typeface="Arial"/>
+                <a:latin typeface="Arial" panose="020B0604020202020204"/>
               </a:rPr>
               <a:t>第四大纲级别</a:t>
             </a:r>
-          </a:p>
-          <a:p>
-            <a:pPr marL="2160000" lvl="4" indent="-216000">
+            <a:endParaRPr lang="en-US" sz="2000" b="0" strike="noStrike" spc="-1">
+              <a:latin typeface="Arial" panose="020B0604020202020204"/>
+            </a:endParaRPr>
+          </a:p>
+          <a:p>
+            <a:pPr marL="2160270" lvl="4" indent="-215900">
               <a:spcBef>
-                <a:spcPts val="283"/>
+                <a:spcPts val="285"/>
               </a:spcBef>
               <a:buClr>
                 <a:srgbClr val="000000"/>
               </a:buClr>
               <a:buSzPct val="45000"/>
-              <a:buFont typeface="Wingdings" charset="2"/>
+              <a:buFont typeface="Wingdings" panose="05000000000000000000" pitchFamily="2" charset="2"/>
               <a:buChar char=""/>
             </a:pPr>
             <a:r>
               <a:rPr lang="en-US" sz="2000" b="0" strike="noStrike" spc="-1">
-                <a:latin typeface="Arial"/>
+                <a:latin typeface="Arial" panose="020B0604020202020204"/>
               </a:rPr>
               <a:t>第五大纲级别</a:t>
             </a:r>
-          </a:p>
-          <a:p>
-            <a:pPr marL="2592000" lvl="5" indent="-216000">
+            <a:endParaRPr lang="en-US" sz="2000" b="0" strike="noStrike" spc="-1">
+              <a:latin typeface="Arial" panose="020B0604020202020204"/>
+            </a:endParaRPr>
+          </a:p>
+          <a:p>
+            <a:pPr marL="2592070" lvl="5" indent="-215900">
               <a:spcBef>
-                <a:spcPts val="283"/>
+                <a:spcPts val="285"/>
               </a:spcBef>
               <a:buClr>
                 <a:srgbClr val="000000"/>
               </a:buClr>
               <a:buSzPct val="45000"/>
-              <a:buFont typeface="Wingdings" charset="2"/>
+              <a:buFont typeface="Wingdings" panose="05000000000000000000" pitchFamily="2" charset="2"/>
               <a:buChar char=""/>
             </a:pPr>
             <a:r>
               <a:rPr lang="en-US" sz="2000" b="0" strike="noStrike" spc="-1">
-                <a:latin typeface="Arial"/>
+                <a:latin typeface="Arial" panose="020B0604020202020204"/>
               </a:rPr>
               <a:t>第六大纲级别</a:t>
             </a:r>
-          </a:p>
-          <a:p>
-            <a:pPr marL="3024000" lvl="6" indent="-216000">
+            <a:endParaRPr lang="en-US" sz="2000" b="0" strike="noStrike" spc="-1">
+              <a:latin typeface="Arial" panose="020B0604020202020204"/>
+            </a:endParaRPr>
+          </a:p>
+          <a:p>
+            <a:pPr marL="3023870" lvl="6" indent="-215900">
               <a:spcBef>
-                <a:spcPts val="283"/>
+                <a:spcPts val="285"/>
               </a:spcBef>
               <a:buClr>
                 <a:srgbClr val="000000"/>
               </a:buClr>
               <a:buSzPct val="45000"/>
-              <a:buFont typeface="Wingdings" charset="2"/>
+              <a:buFont typeface="Wingdings" panose="05000000000000000000" pitchFamily="2" charset="2"/>
               <a:buChar char=""/>
             </a:pPr>
             <a:r>
               <a:rPr lang="en-US" sz="2000" b="0" strike="noStrike" spc="-1">
-                <a:latin typeface="Arial"/>
+                <a:latin typeface="Arial" panose="020B0604020202020204"/>
               </a:rPr>
               <a:t>第七大纲级别</a:t>
             </a:r>
+            <a:endParaRPr lang="en-US" sz="2000" b="0" strike="noStrike" spc="-1">
+              <a:latin typeface="Arial" panose="020B0604020202020204"/>
+            </a:endParaRPr>
           </a:p>
         </p:txBody>
       </p:sp>
@@ -11183,14 +11321,14 @@
           <a:bodyPr wrap="none" lIns="64440" tIns="0" rIns="0" bIns="0"/>
           <a:lstStyle/>
           <a:p>
-            <a:pPr marL="119160" indent="-118080">
+            <a:pPr marL="119380" indent="-118110">
               <a:lnSpc>
                 <a:spcPct val="100000"/>
               </a:lnSpc>
               <a:buClr>
                 <a:srgbClr val="FFFFFF"/>
               </a:buClr>
-              <a:buFont typeface="Arial"/>
+              <a:buFont typeface="Arial" panose="020B0604020202020204"/>
               <a:buChar char="©"/>
             </a:pPr>
             <a:r>
@@ -11198,13 +11336,13 @@
                 <a:solidFill>
                   <a:srgbClr val="FFFFFF"/>
                 </a:solidFill>
-                <a:latin typeface="Arial"/>
+                <a:latin typeface="Arial" panose="020B0604020202020204"/>
                 <a:ea typeface="DejaVu Sans"/>
               </a:rPr>
               <a:t>2017 AVA Inc.. All rights reserved.</a:t>
             </a:r>
             <a:endParaRPr lang="en-US" sz="750" b="0" strike="noStrike" spc="-1">
-              <a:latin typeface="Arial"/>
+              <a:latin typeface="Arial" panose="020B0604020202020204"/>
             </a:endParaRPr>
           </a:p>
         </p:txBody>
@@ -11244,7 +11382,7 @@
           <a:bodyPr wrap="none" lIns="0" tIns="0" rIns="64440" bIns="0"/>
           <a:lstStyle/>
           <a:p>
-            <a:pPr marL="83520" indent="-82440" algn="r">
+            <a:pPr marL="83820" indent="-82550" algn="r">
               <a:lnSpc>
                 <a:spcPct val="100000"/>
               </a:lnSpc>
@@ -11254,13 +11392,12 @@
                 <a:solidFill>
                   <a:srgbClr val="FFFFFF"/>
                 </a:solidFill>
-                <a:latin typeface="Arial"/>
+                <a:latin typeface="Arial" panose="020B0604020202020204"/>
                 <a:ea typeface="DejaVu Sans"/>
               </a:rPr>
-              <a:t>‹#›</a:t>
             </a:fld>
             <a:endParaRPr lang="en-US" sz="750" b="0" strike="noStrike" spc="-1">
-              <a:latin typeface="Arial"/>
+              <a:latin typeface="Arial" panose="020B0604020202020204"/>
             </a:endParaRPr>
           </a:p>
         </p:txBody>
@@ -11272,8 +11409,10 @@
           <p:nvPr/>
         </p:nvPicPr>
         <p:blipFill>
-          <a:blip r:embed="rId14"/>
-          <a:stretch/>
+          <a:blip r:embed="rId13"/>
+          <a:stretch>
+            <a:fillRect/>
+          </a:stretch>
         </p:blipFill>
         <p:spPr>
           <a:xfrm>
@@ -11295,9 +11434,11 @@
           <p:nvPr/>
         </p:nvPicPr>
         <p:blipFill>
-          <a:blip r:embed="rId15"/>
+          <a:blip r:embed="rId14"/>
           <a:srcRect t="44951" r="2765"/>
-          <a:stretch/>
+          <a:stretch>
+            <a:fillRect/>
+          </a:stretch>
         </p:blipFill>
         <p:spPr>
           <a:xfrm rot="10800000">
@@ -11338,10 +11479,13 @@
             <a:pPr algn="ctr"/>
             <a:r>
               <a:rPr lang="en-US" sz="4400" b="0" strike="noStrike" spc="-1">
-                <a:latin typeface="Arial"/>
+                <a:latin typeface="Arial" panose="020B0604020202020204"/>
               </a:rPr>
               <a:t>单击鼠标编辑标题文字格式</a:t>
             </a:r>
+            <a:endParaRPr lang="en-US" sz="4400" b="0" strike="noStrike" spc="-1">
+              <a:latin typeface="Arial" panose="020B0604020202020204"/>
+            </a:endParaRPr>
           </a:p>
         </p:txBody>
       </p:sp>
@@ -11370,45 +11514,51 @@
           </a:bodyPr>
           <a:lstStyle/>
           <a:p>
-            <a:pPr marL="432000" indent="-324000">
+            <a:pPr marL="431800" indent="-323850">
               <a:spcBef>
-                <a:spcPts val="1417"/>
+                <a:spcPts val="1415"/>
               </a:spcBef>
               <a:buClr>
                 <a:srgbClr val="000000"/>
               </a:buClr>
               <a:buSzPct val="45000"/>
-              <a:buFont typeface="Wingdings" charset="2"/>
+              <a:buFont typeface="Wingdings" panose="05000000000000000000" pitchFamily="2" charset="2"/>
               <a:buChar char=""/>
             </a:pPr>
             <a:r>
               <a:rPr lang="en-US" sz="3200" b="0" strike="noStrike" spc="-1">
-                <a:latin typeface="Arial"/>
+                <a:latin typeface="Arial" panose="020B0604020202020204"/>
               </a:rPr>
               <a:t>单击鼠标编辑大纲文字格式</a:t>
             </a:r>
-          </a:p>
-          <a:p>
-            <a:pPr marL="864000" lvl="1" indent="-324000">
+            <a:endParaRPr lang="en-US" sz="3200" b="0" strike="noStrike" spc="-1">
+              <a:latin typeface="Arial" panose="020B0604020202020204"/>
+            </a:endParaRPr>
+          </a:p>
+          <a:p>
+            <a:pPr marL="864235" lvl="1" indent="-323850">
               <a:spcBef>
-                <a:spcPts val="1134"/>
+                <a:spcPts val="1135"/>
               </a:spcBef>
               <a:buClr>
                 <a:srgbClr val="000000"/>
               </a:buClr>
               <a:buSzPct val="75000"/>
-              <a:buFont typeface="Symbol" charset="2"/>
+              <a:buFont typeface="Symbol" panose="05050102010706020507" charset="2"/>
               <a:buChar char=""/>
             </a:pPr>
             <a:r>
               <a:rPr lang="en-US" sz="2800" b="0" strike="noStrike" spc="-1">
-                <a:latin typeface="Arial"/>
+                <a:latin typeface="Arial" panose="020B0604020202020204"/>
               </a:rPr>
               <a:t>第二个大纲级</a:t>
             </a:r>
-          </a:p>
-          <a:p>
-            <a:pPr marL="1296000" lvl="2" indent="-288000">
+            <a:endParaRPr lang="en-US" sz="2800" b="0" strike="noStrike" spc="-1">
+              <a:latin typeface="Arial" panose="020B0604020202020204"/>
+            </a:endParaRPr>
+          </a:p>
+          <a:p>
+            <a:pPr marL="1296035" lvl="2" indent="-288290">
               <a:spcBef>
                 <a:spcPts val="850"/>
               </a:spcBef>
@@ -11416,91 +11566,106 @@
                 <a:srgbClr val="000000"/>
               </a:buClr>
               <a:buSzPct val="45000"/>
-              <a:buFont typeface="Wingdings" charset="2"/>
+              <a:buFont typeface="Wingdings" panose="05000000000000000000" pitchFamily="2" charset="2"/>
               <a:buChar char=""/>
             </a:pPr>
             <a:r>
               <a:rPr lang="en-US" sz="2400" b="0" strike="noStrike" spc="-1">
-                <a:latin typeface="Arial"/>
+                <a:latin typeface="Arial" panose="020B0604020202020204"/>
               </a:rPr>
               <a:t>第三大纲级别</a:t>
             </a:r>
-          </a:p>
-          <a:p>
-            <a:pPr marL="1728000" lvl="3" indent="-216000">
+            <a:endParaRPr lang="en-US" sz="2400" b="0" strike="noStrike" spc="-1">
+              <a:latin typeface="Arial" panose="020B0604020202020204"/>
+            </a:endParaRPr>
+          </a:p>
+          <a:p>
+            <a:pPr marL="1727835" lvl="3" indent="-215900">
               <a:spcBef>
-                <a:spcPts val="567"/>
+                <a:spcPts val="565"/>
               </a:spcBef>
               <a:buClr>
                 <a:srgbClr val="000000"/>
               </a:buClr>
               <a:buSzPct val="75000"/>
-              <a:buFont typeface="Symbol" charset="2"/>
+              <a:buFont typeface="Symbol" panose="05050102010706020507" charset="2"/>
               <a:buChar char=""/>
             </a:pPr>
             <a:r>
               <a:rPr lang="en-US" sz="2000" b="0" strike="noStrike" spc="-1">
-                <a:latin typeface="Arial"/>
+                <a:latin typeface="Arial" panose="020B0604020202020204"/>
               </a:rPr>
               <a:t>第四大纲级别</a:t>
             </a:r>
-          </a:p>
-          <a:p>
-            <a:pPr marL="2160000" lvl="4" indent="-216000">
+            <a:endParaRPr lang="en-US" sz="2000" b="0" strike="noStrike" spc="-1">
+              <a:latin typeface="Arial" panose="020B0604020202020204"/>
+            </a:endParaRPr>
+          </a:p>
+          <a:p>
+            <a:pPr marL="2160270" lvl="4" indent="-215900">
               <a:spcBef>
-                <a:spcPts val="283"/>
+                <a:spcPts val="285"/>
               </a:spcBef>
               <a:buClr>
                 <a:srgbClr val="000000"/>
               </a:buClr>
               <a:buSzPct val="45000"/>
-              <a:buFont typeface="Wingdings" charset="2"/>
+              <a:buFont typeface="Wingdings" panose="05000000000000000000" pitchFamily="2" charset="2"/>
               <a:buChar char=""/>
             </a:pPr>
             <a:r>
               <a:rPr lang="en-US" sz="2000" b="0" strike="noStrike" spc="-1">
-                <a:latin typeface="Arial"/>
+                <a:latin typeface="Arial" panose="020B0604020202020204"/>
               </a:rPr>
               <a:t>第五大纲级别</a:t>
             </a:r>
-          </a:p>
-          <a:p>
-            <a:pPr marL="2592000" lvl="5" indent="-216000">
+            <a:endParaRPr lang="en-US" sz="2000" b="0" strike="noStrike" spc="-1">
+              <a:latin typeface="Arial" panose="020B0604020202020204"/>
+            </a:endParaRPr>
+          </a:p>
+          <a:p>
+            <a:pPr marL="2592070" lvl="5" indent="-215900">
               <a:spcBef>
-                <a:spcPts val="283"/>
+                <a:spcPts val="285"/>
               </a:spcBef>
               <a:buClr>
                 <a:srgbClr val="000000"/>
               </a:buClr>
               <a:buSzPct val="45000"/>
-              <a:buFont typeface="Wingdings" charset="2"/>
+              <a:buFont typeface="Wingdings" panose="05000000000000000000" pitchFamily="2" charset="2"/>
               <a:buChar char=""/>
             </a:pPr>
             <a:r>
               <a:rPr lang="en-US" sz="2000" b="0" strike="noStrike" spc="-1">
-                <a:latin typeface="Arial"/>
+                <a:latin typeface="Arial" panose="020B0604020202020204"/>
               </a:rPr>
               <a:t>第六大纲级别</a:t>
             </a:r>
-          </a:p>
-          <a:p>
-            <a:pPr marL="3024000" lvl="6" indent="-216000">
+            <a:endParaRPr lang="en-US" sz="2000" b="0" strike="noStrike" spc="-1">
+              <a:latin typeface="Arial" panose="020B0604020202020204"/>
+            </a:endParaRPr>
+          </a:p>
+          <a:p>
+            <a:pPr marL="3023870" lvl="6" indent="-215900">
               <a:spcBef>
-                <a:spcPts val="283"/>
+                <a:spcPts val="285"/>
               </a:spcBef>
               <a:buClr>
                 <a:srgbClr val="000000"/>
               </a:buClr>
               <a:buSzPct val="45000"/>
-              <a:buFont typeface="Wingdings" charset="2"/>
+              <a:buFont typeface="Wingdings" panose="05000000000000000000" pitchFamily="2" charset="2"/>
               <a:buChar char=""/>
             </a:pPr>
             <a:r>
               <a:rPr lang="en-US" sz="2000" b="0" strike="noStrike" spc="-1">
-                <a:latin typeface="Arial"/>
+                <a:latin typeface="Arial" panose="020B0604020202020204"/>
               </a:rPr>
               <a:t>第七大纲级别</a:t>
             </a:r>
+            <a:endParaRPr lang="en-US" sz="2000" b="0" strike="noStrike" spc="-1">
+              <a:latin typeface="Arial" panose="020B0604020202020204"/>
+            </a:endParaRPr>
           </a:p>
         </p:txBody>
       </p:sp>
@@ -11836,7 +12001,7 @@
             <a:avLst/>
           </a:prstGeom>
           <a:blipFill rotWithShape="0">
-            <a:blip r:embed="rId2"/>
+            <a:blip r:embed="rId1"/>
             <a:stretch>
               <a:fillRect/>
             </a:stretch>
@@ -11911,12 +12076,12 @@
           <a:bodyPr lIns="0" tIns="11520" rIns="0" bIns="0"/>
           <a:lstStyle/>
           <a:p>
-            <a:pPr marL="12600">
+            <a:pPr marL="12700">
               <a:lnSpc>
                 <a:spcPct val="100000"/>
               </a:lnSpc>
               <a:spcBef>
-                <a:spcPts val="91"/>
+                <a:spcPts val="90"/>
               </a:spcBef>
             </a:pPr>
             <a:r>
@@ -11924,7 +12089,7 @@
                 <a:solidFill>
                   <a:srgbClr val="505050"/>
                 </a:solidFill>
-                <a:latin typeface="Arial"/>
+                <a:latin typeface="Arial" panose="020B0604020202020204"/>
                 <a:ea typeface="DejaVu Sans"/>
               </a:rPr>
               <a:t>By </a:t>
@@ -11934,7 +12099,7 @@
                 <a:solidFill>
                   <a:srgbClr val="505050"/>
                 </a:solidFill>
-                <a:latin typeface="Arial"/>
+                <a:latin typeface="Arial" panose="020B0604020202020204"/>
                 <a:ea typeface="DejaVu Sans"/>
               </a:rPr>
               <a:t>Z</a:t>
@@ -11944,7 +12109,7 @@
                 <a:solidFill>
                   <a:srgbClr val="505050"/>
                 </a:solidFill>
-                <a:latin typeface="Arial"/>
+                <a:latin typeface="Arial" panose="020B0604020202020204"/>
                 <a:ea typeface="DejaVu Sans"/>
               </a:rPr>
               <a:t>ero.zhang</a:t>
@@ -11954,7 +12119,7 @@
                 <a:solidFill>
                   <a:srgbClr val="505050"/>
                 </a:solidFill>
-                <a:latin typeface="Arial"/>
+                <a:latin typeface="Arial" panose="020B0604020202020204"/>
                 <a:ea typeface="DejaVu Sans"/>
               </a:rPr>
               <a:t>     </a:t>
@@ -11967,7 +12132,7 @@
                 <a:solidFill>
                   <a:srgbClr val="505050"/>
                 </a:solidFill>
-                <a:latin typeface="Arial"/>
+                <a:latin typeface="Arial" panose="020B0604020202020204"/>
                 <a:ea typeface="DejaVu Sans"/>
               </a:rPr>
               <a:t>2019 年 </a:t>
@@ -11977,7 +12142,7 @@
                 <a:solidFill>
                   <a:srgbClr val="505050"/>
                 </a:solidFill>
-                <a:latin typeface="Arial"/>
+                <a:latin typeface="Arial" panose="020B0604020202020204"/>
                 <a:ea typeface="DejaVu Sans"/>
               </a:rPr>
               <a:t>4 </a:t>
@@ -11987,13 +12152,13 @@
                 <a:solidFill>
                   <a:srgbClr val="505050"/>
                 </a:solidFill>
-                <a:latin typeface="Arial"/>
+                <a:latin typeface="Arial" panose="020B0604020202020204"/>
                 <a:ea typeface="DejaVu Sans"/>
               </a:rPr>
               <a:t>月</a:t>
             </a:r>
             <a:endParaRPr lang="en-US" sz="1200" b="0" strike="noStrike" spc="-1" dirty="0">
-              <a:latin typeface="Arial"/>
+              <a:latin typeface="Arial" panose="020B0604020202020204"/>
             </a:endParaRPr>
           </a:p>
         </p:txBody>
@@ -12033,12 +12198,12 @@
           <a:bodyPr lIns="0" tIns="12600" rIns="0" bIns="0"/>
           <a:lstStyle/>
           <a:p>
-            <a:pPr marL="12600">
+            <a:pPr marL="12700">
               <a:lnSpc>
                 <a:spcPct val="100000"/>
               </a:lnSpc>
               <a:spcBef>
-                <a:spcPts val="99"/>
+                <a:spcPts val="100"/>
               </a:spcBef>
             </a:pPr>
             <a:r>
@@ -12046,16 +12211,16 @@
                 <a:solidFill>
                   <a:srgbClr val="000000"/>
                 </a:solidFill>
-                <a:latin typeface="Arial"/>
+                <a:latin typeface="Arial" panose="020B0604020202020204"/>
                 <a:ea typeface="DejaVu Sans"/>
               </a:rPr>
-              <a:t>2019年4月工作总结</a:t>
+              <a:t>2019年7月工作总结</a:t>
             </a:r>
             <a:br>
               <a:rPr dirty="0"/>
             </a:br>
             <a:endParaRPr lang="en-US" sz="3600" b="0" strike="noStrike" spc="-1" dirty="0">
-              <a:latin typeface="Arial"/>
+              <a:latin typeface="Arial" panose="020B0604020202020204"/>
             </a:endParaRPr>
           </a:p>
         </p:txBody>
@@ -12075,7 +12240,7 @@
             <a:avLst/>
           </a:prstGeom>
           <a:blipFill rotWithShape="0">
-            <a:blip r:embed="rId3"/>
+            <a:blip r:embed="rId2"/>
             <a:stretch>
               <a:fillRect/>
             </a:stretch>
@@ -12104,8 +12269,10 @@
           <p:nvPr/>
         </p:nvPicPr>
         <p:blipFill>
-          <a:blip r:embed="rId4"/>
-          <a:stretch/>
+          <a:blip r:embed="rId3"/>
+          <a:stretch>
+            <a:fillRect/>
+          </a:stretch>
         </p:blipFill>
         <p:spPr>
           <a:xfrm>
@@ -12127,8 +12294,10 @@
           <p:nvPr/>
         </p:nvPicPr>
         <p:blipFill>
-          <a:blip r:embed="rId5"/>
-          <a:stretch/>
+          <a:blip r:embed="rId4"/>
+          <a:stretch>
+            <a:fillRect/>
+          </a:stretch>
         </p:blipFill>
         <p:spPr>
           <a:xfrm>
@@ -12183,7 +12352,7 @@
                 <a:spcPct val="90000"/>
               </a:lnSpc>
               <a:spcAft>
-                <a:spcPts val="601"/>
+                <a:spcPts val="600"/>
               </a:spcAft>
             </a:pPr>
             <a:r>
@@ -12192,12 +12361,12 @@
                   <a:srgbClr val="505050"/>
                 </a:solidFill>
                 <a:latin typeface="Avenir Next Regular"/>
-                <a:ea typeface="微软雅黑"/>
+                <a:ea typeface="微软雅黑" panose="020B0503020204020204" charset="-122"/>
               </a:rPr>
               <a:t>北京奥维奥科技有限公司</a:t>
             </a:r>
             <a:endParaRPr lang="en-US" sz="1600" b="0" strike="noStrike" spc="-1">
-              <a:latin typeface="Arial"/>
+              <a:latin typeface="Arial" panose="020B0604020202020204"/>
             </a:endParaRPr>
           </a:p>
         </p:txBody>
@@ -12209,8 +12378,10 @@
           <p:nvPr/>
         </p:nvPicPr>
         <p:blipFill>
-          <a:blip r:embed="rId6"/>
-          <a:stretch/>
+          <a:blip r:embed="rId5"/>
+          <a:stretch>
+            <a:fillRect/>
+          </a:stretch>
         </p:blipFill>
         <p:spPr>
           <a:xfrm>
@@ -12251,27 +12422,7 @@
   <p:timing>
     <p:tnLst>
       <p:par>
-        <p:cTn id="1" dur="indefinite" restart="never" nodeType="tmRoot">
-          <p:childTnLst>
-            <p:seq>
-              <p:cTn id="2" dur="indefinite" nodeType="mainSeq"/>
-              <p:prevCondLst>
-                <p:cond evt="onPrev" delay="0">
-                  <p:tgtEl>
-                    <p:sldTgt/>
-                  </p:tgtEl>
-                </p:cond>
-              </p:prevCondLst>
-              <p:nextCondLst>
-                <p:cond evt="onNext" delay="0">
-                  <p:tgtEl>
-                    <p:sldTgt/>
-                  </p:tgtEl>
-                </p:cond>
-              </p:nextCondLst>
-            </p:seq>
-          </p:childTnLst>
-        </p:cTn>
+        <p:cTn id="1" dur="indefinite" restart="never" nodeType="tmRoot"/>
       </p:par>
     </p:tnLst>
   </p:timing>
@@ -12343,10 +12494,10 @@
                 <a:latin typeface="华文中宋"/>
                 <a:ea typeface="华文中宋"/>
               </a:rPr>
-              <a:t>2019年4月总结</a:t>
+              <a:t>2019年7月总结</a:t>
             </a:r>
             <a:endParaRPr lang="en-US" sz="4400" b="0" strike="noStrike" spc="-1">
-              <a:latin typeface="Arial"/>
+              <a:latin typeface="Arial" panose="020B0604020202020204"/>
             </a:endParaRPr>
           </a:p>
         </p:txBody>
@@ -12358,8 +12509,10 @@
           <p:nvPr/>
         </p:nvPicPr>
         <p:blipFill>
-          <a:blip r:embed="rId2"/>
-          <a:stretch/>
+          <a:blip r:embed="rId1"/>
+          <a:stretch>
+            <a:fillRect/>
+          </a:stretch>
         </p:blipFill>
         <p:spPr>
           <a:xfrm>
@@ -12409,12 +12562,12 @@
           <a:bodyPr lIns="90000" tIns="45000" rIns="90000" bIns="45000"/>
           <a:lstStyle/>
           <a:p>
-            <a:pPr marL="457200" indent="-456120">
+            <a:pPr marL="457200" indent="-455930">
               <a:lnSpc>
                 <a:spcPct val="100000"/>
               </a:lnSpc>
               <a:spcBef>
-                <a:spcPts val="1621"/>
+                <a:spcPts val="1620"/>
               </a:spcBef>
             </a:pPr>
             <a:r>
@@ -12422,13 +12575,13 @@
                 <a:solidFill>
                   <a:srgbClr val="000000"/>
                 </a:solidFill>
-                <a:latin typeface="微软雅黑"/>
-                <a:ea typeface="微软雅黑"/>
+                <a:latin typeface="微软雅黑" panose="020B0503020204020204" charset="-122"/>
+                <a:ea typeface="微软雅黑" panose="020B0503020204020204" charset="-122"/>
               </a:rPr>
               <a:t>未完成的工作</a:t>
             </a:r>
             <a:endParaRPr lang="en-US" sz="2200" b="0" strike="noStrike" spc="-1">
-              <a:latin typeface="Arial"/>
+              <a:latin typeface="Arial" panose="020B0604020202020204"/>
             </a:endParaRPr>
           </a:p>
         </p:txBody>
@@ -12489,7 +12642,7 @@
                   <a:spcPct val="100000"/>
                 </a:lnSpc>
                 <a:spcBef>
-                  <a:spcPts val="799"/>
+                  <a:spcPts val="800"/>
                 </a:spcBef>
               </a:pPr>
               <a:r>
@@ -12497,13 +12650,13 @@
                   <a:solidFill>
                     <a:srgbClr val="000000"/>
                   </a:solidFill>
-                  <a:latin typeface="微软雅黑"/>
-                  <a:ea typeface="微软雅黑"/>
+                  <a:latin typeface="微软雅黑" panose="020B0503020204020204" charset="-122"/>
+                  <a:ea typeface="微软雅黑" panose="020B0503020204020204" charset="-122"/>
                 </a:rPr>
                 <a:t>1</a:t>
               </a:r>
               <a:endParaRPr lang="en-US" sz="1600" b="0" strike="noStrike" spc="-1">
-                <a:latin typeface="Arial"/>
+                <a:latin typeface="Arial" panose="020B0604020202020204"/>
               </a:endParaRPr>
             </a:p>
           </p:txBody>
@@ -12599,7 +12752,7 @@
                   <a:spcPct val="100000"/>
                 </a:lnSpc>
                 <a:spcBef>
-                  <a:spcPts val="799"/>
+                  <a:spcPts val="800"/>
                 </a:spcBef>
               </a:pPr>
               <a:r>
@@ -12607,13 +12760,13 @@
                   <a:solidFill>
                     <a:srgbClr val="000000"/>
                   </a:solidFill>
-                  <a:latin typeface="微软雅黑"/>
-                  <a:ea typeface="微软雅黑"/>
+                  <a:latin typeface="微软雅黑" panose="020B0503020204020204" charset="-122"/>
+                  <a:ea typeface="微软雅黑" panose="020B0503020204020204" charset="-122"/>
                 </a:rPr>
                 <a:t>2</a:t>
               </a:r>
               <a:endParaRPr lang="en-US" sz="1600" b="0" strike="noStrike" spc="-1">
-                <a:latin typeface="Arial"/>
+                <a:latin typeface="Arial" panose="020B0604020202020204"/>
               </a:endParaRPr>
             </a:p>
           </p:txBody>
@@ -12688,12 +12841,12 @@
           <a:bodyPr lIns="90000" tIns="45000" rIns="90000" bIns="45000"/>
           <a:lstStyle/>
           <a:p>
-            <a:pPr marL="457200" indent="-456120">
+            <a:pPr marL="457200" indent="-455930">
               <a:lnSpc>
                 <a:spcPct val="100000"/>
               </a:lnSpc>
               <a:spcBef>
-                <a:spcPts val="1621"/>
+                <a:spcPts val="1620"/>
               </a:spcBef>
             </a:pPr>
             <a:r>
@@ -12701,13 +12854,13 @@
                 <a:solidFill>
                   <a:srgbClr val="000000"/>
                 </a:solidFill>
-                <a:latin typeface="微软雅黑"/>
-                <a:ea typeface="微软雅黑"/>
+                <a:latin typeface="微软雅黑" panose="020B0503020204020204" charset="-122"/>
+                <a:ea typeface="微软雅黑" panose="020B0503020204020204" charset="-122"/>
               </a:rPr>
               <a:t>进行中的工作</a:t>
             </a:r>
             <a:endParaRPr lang="en-US" sz="2200" b="0" strike="noStrike" spc="-1">
-              <a:latin typeface="Arial"/>
+              <a:latin typeface="Arial" panose="020B0604020202020204"/>
             </a:endParaRPr>
           </a:p>
         </p:txBody>
@@ -12768,7 +12921,7 @@
                   <a:spcPct val="100000"/>
                 </a:lnSpc>
                 <a:spcBef>
-                  <a:spcPts val="799"/>
+                  <a:spcPts val="800"/>
                 </a:spcBef>
               </a:pPr>
               <a:r>
@@ -12776,13 +12929,13 @@
                   <a:solidFill>
                     <a:srgbClr val="000000"/>
                   </a:solidFill>
-                  <a:latin typeface="微软雅黑"/>
-                  <a:ea typeface="微软雅黑"/>
+                  <a:latin typeface="微软雅黑" panose="020B0503020204020204" charset="-122"/>
+                  <a:ea typeface="微软雅黑" panose="020B0503020204020204" charset="-122"/>
                 </a:rPr>
                 <a:t>3</a:t>
               </a:r>
               <a:endParaRPr lang="en-US" sz="1600" b="0" strike="noStrike" spc="-1">
-                <a:latin typeface="Arial"/>
+                <a:latin typeface="Arial" panose="020B0604020202020204"/>
               </a:endParaRPr>
             </a:p>
           </p:txBody>
@@ -12857,12 +13010,12 @@
           <a:bodyPr lIns="90000" tIns="45000" rIns="90000" bIns="45000"/>
           <a:lstStyle/>
           <a:p>
-            <a:pPr marL="457200" indent="-456120">
+            <a:pPr marL="457200" indent="-455930">
               <a:lnSpc>
                 <a:spcPct val="100000"/>
               </a:lnSpc>
               <a:spcBef>
-                <a:spcPts val="1621"/>
+                <a:spcPts val="1620"/>
               </a:spcBef>
             </a:pPr>
             <a:r>
@@ -12870,13 +13023,13 @@
                 <a:solidFill>
                   <a:srgbClr val="000000"/>
                 </a:solidFill>
-                <a:latin typeface="微软雅黑"/>
-                <a:ea typeface="微软雅黑"/>
+                <a:latin typeface="微软雅黑" panose="020B0503020204020204" charset="-122"/>
+                <a:ea typeface="微软雅黑" panose="020B0503020204020204" charset="-122"/>
               </a:rPr>
               <a:t>计划中的工作</a:t>
             </a:r>
             <a:endParaRPr lang="en-US" sz="2200" b="0" strike="noStrike" spc="-1">
-              <a:latin typeface="Arial"/>
+              <a:latin typeface="Arial" panose="020B0604020202020204"/>
             </a:endParaRPr>
           </a:p>
         </p:txBody>
@@ -12889,27 +13042,7 @@
   <p:timing>
     <p:tnLst>
       <p:par>
-        <p:cTn id="1" dur="indefinite" restart="never" nodeType="tmRoot">
-          <p:childTnLst>
-            <p:seq>
-              <p:cTn id="2" dur="indefinite" nodeType="mainSeq"/>
-              <p:prevCondLst>
-                <p:cond evt="onPrev" delay="0">
-                  <p:tgtEl>
-                    <p:sldTgt/>
-                  </p:tgtEl>
-                </p:cond>
-              </p:prevCondLst>
-              <p:nextCondLst>
-                <p:cond evt="onNext" delay="0">
-                  <p:tgtEl>
-                    <p:sldTgt/>
-                  </p:tgtEl>
-                </p:cond>
-              </p:nextCondLst>
-            </p:seq>
-          </p:childTnLst>
-        </p:cTn>
+        <p:cTn id="1" dur="indefinite" restart="never" nodeType="tmRoot"/>
       </p:par>
     </p:tnLst>
   </p:timing>
@@ -12980,13 +13113,13 @@
                 <a:solidFill>
                   <a:srgbClr val="000000"/>
                 </a:solidFill>
-                <a:latin typeface="微软雅黑"/>
-                <a:ea typeface="微软雅黑"/>
+                <a:latin typeface="微软雅黑" panose="020B0503020204020204" charset="-122"/>
+                <a:ea typeface="微软雅黑" panose="020B0503020204020204" charset="-122"/>
               </a:rPr>
               <a:t>进行中的工作(含已完成)</a:t>
             </a:r>
             <a:endParaRPr lang="en-US" sz="2200" b="0" strike="noStrike" spc="-1">
-              <a:latin typeface="Arial"/>
+              <a:latin typeface="Arial" panose="020B0604020202020204"/>
             </a:endParaRPr>
           </a:p>
         </p:txBody>
@@ -13118,7 +13251,7 @@
             </a:r>
             <a:r>
               <a:rPr lang="zh-CN" altLang="en-US" dirty="0"/>
-              <a:t>吉林东风条码项目</a:t>
+              <a:t>蓝星清洗上线支持</a:t>
             </a:r>
             <a:endParaRPr lang="en-US" altLang="zh-CN" dirty="0"/>
           </a:p>
@@ -13132,7 +13265,7 @@
             </a:r>
             <a:r>
               <a:rPr lang="zh-CN" altLang="en-US" dirty="0"/>
-              <a:t>钉钉调研</a:t>
+              <a:t>爱康接口开发</a:t>
             </a:r>
             <a:endParaRPr lang="en-US" altLang="zh-CN" dirty="0"/>
           </a:p>
@@ -13146,7 +13279,7 @@
             </a:r>
             <a:r>
               <a:rPr lang="zh-CN" altLang="en-US" dirty="0"/>
-              <a:t>金税部署接口部署（待测试）</a:t>
+              <a:t>和铂三期接口开发</a:t>
             </a:r>
             <a:endParaRPr lang="en-US" altLang="zh-CN" dirty="0"/>
           </a:p>
@@ -13165,17 +13298,6 @@
             <a:endParaRPr lang="en-US" altLang="zh-CN" dirty="0"/>
           </a:p>
           <a:p>
-            <a:endParaRPr lang="en-US" altLang="zh-CN" dirty="0"/>
-          </a:p>
-          <a:p>
-            <a:r>
-              <a:rPr lang="en-US" altLang="zh-CN" dirty="0"/>
-              <a:t>4.</a:t>
-            </a:r>
-            <a:r>
-              <a:rPr lang="zh-CN" altLang="en-US" dirty="0"/>
-              <a:t>康吉森接口维护</a:t>
-            </a:r>
             <a:endParaRPr lang="en-US" altLang="zh-CN" dirty="0"/>
           </a:p>
         </p:txBody>
@@ -13191,27 +13313,7 @@
   <p:timing>
     <p:tnLst>
       <p:par>
-        <p:cTn id="1" dur="indefinite" restart="never" nodeType="tmRoot">
-          <p:childTnLst>
-            <p:seq>
-              <p:cTn id="2" dur="indefinite" nodeType="mainSeq"/>
-              <p:prevCondLst>
-                <p:cond evt="onPrev" delay="0">
-                  <p:tgtEl>
-                    <p:sldTgt/>
-                  </p:tgtEl>
-                </p:cond>
-              </p:prevCondLst>
-              <p:nextCondLst>
-                <p:cond evt="onNext" delay="0">
-                  <p:tgtEl>
-                    <p:sldTgt/>
-                  </p:tgtEl>
-                </p:cond>
-              </p:nextCondLst>
-            </p:seq>
-          </p:childTnLst>
-        </p:cTn>
+        <p:cTn id="1" dur="indefinite" restart="never" nodeType="tmRoot"/>
       </p:par>
     </p:tnLst>
   </p:timing>
@@ -13282,13 +13384,13 @@
                 <a:solidFill>
                   <a:srgbClr val="000000"/>
                 </a:solidFill>
-                <a:latin typeface="微软雅黑"/>
-                <a:ea typeface="微软雅黑"/>
+                <a:latin typeface="微软雅黑" panose="020B0503020204020204" charset="-122"/>
+                <a:ea typeface="微软雅黑" panose="020B0503020204020204" charset="-122"/>
               </a:rPr>
               <a:t>未完成的工作</a:t>
             </a:r>
             <a:endParaRPr lang="en-US" sz="2200" b="0" strike="noStrike" spc="-1">
-              <a:latin typeface="Arial"/>
+              <a:latin typeface="Arial" panose="020B0604020202020204"/>
             </a:endParaRPr>
           </a:p>
         </p:txBody>
@@ -13393,20 +13495,14 @@
       </p:grpSp>
       <p:sp>
         <p:nvSpPr>
-          <p:cNvPr id="2" name="文本框 1">
-            <a:extLst>
-              <a:ext uri="{FF2B5EF4-FFF2-40B4-BE49-F238E27FC236}">
-                <a16:creationId xmlns:a16="http://schemas.microsoft.com/office/drawing/2014/main" id="{AA416949-947D-4C26-B841-0495C06E197C}"/>
-              </a:ext>
-            </a:extLst>
-          </p:cNvPr>
+          <p:cNvPr id="2" name="文本框 1"/>
           <p:cNvSpPr txBox="1"/>
           <p:nvPr/>
         </p:nvSpPr>
         <p:spPr>
           <a:xfrm>
             <a:off x="792480" y="1676400"/>
-            <a:ext cx="9895840" cy="646331"/>
+            <a:ext cx="9895840" cy="645160"/>
           </a:xfrm>
           <a:prstGeom prst="rect">
             <a:avLst/>
@@ -13420,28 +13516,17 @@
           <a:lstStyle/>
           <a:p>
             <a:r>
-              <a:rPr lang="en-US" altLang="zh-CN" dirty="0"/>
-              <a:t>1.</a:t>
+              <a:rPr lang="zh-CN" altLang="en-US" dirty="0"/>
+              <a:t>和铂</a:t>
             </a:r>
+            <a:endParaRPr lang="zh-CN" altLang="en-US" dirty="0"/>
+          </a:p>
+          <a:p>
             <a:r>
               <a:rPr lang="zh-CN" altLang="en-US" dirty="0"/>
-              <a:t>钉钉项目</a:t>
+              <a:t>和铂金邮件功能</a:t>
             </a:r>
-            <a:endParaRPr lang="en-US" altLang="zh-CN" dirty="0"/>
-          </a:p>
-          <a:p>
-            <a:r>
-              <a:rPr lang="zh-CN" altLang="en-US" dirty="0"/>
-              <a:t>如何将</a:t>
-            </a:r>
-            <a:r>
-              <a:rPr lang="en-US" altLang="zh-CN" dirty="0"/>
-              <a:t>sap</a:t>
-            </a:r>
-            <a:r>
-              <a:rPr lang="zh-CN" altLang="en-US" dirty="0"/>
-              <a:t>业务流程在钉钉中实现与对接</a:t>
-            </a:r>
+            <a:endParaRPr lang="zh-CN" altLang="en-US" dirty="0"/>
           </a:p>
         </p:txBody>
       </p:sp>
@@ -13456,27 +13541,7 @@
   <p:timing>
     <p:tnLst>
       <p:par>
-        <p:cTn id="1" dur="indefinite" restart="never" nodeType="tmRoot">
-          <p:childTnLst>
-            <p:seq>
-              <p:cTn id="2" dur="indefinite" nodeType="mainSeq"/>
-              <p:prevCondLst>
-                <p:cond evt="onPrev" delay="0">
-                  <p:tgtEl>
-                    <p:sldTgt/>
-                  </p:tgtEl>
-                </p:cond>
-              </p:prevCondLst>
-              <p:nextCondLst>
-                <p:cond evt="onNext" delay="0">
-                  <p:tgtEl>
-                    <p:sldTgt/>
-                  </p:tgtEl>
-                </p:cond>
-              </p:nextCondLst>
-            </p:seq>
-          </p:childTnLst>
-        </p:cTn>
+        <p:cTn id="1" dur="indefinite" restart="never" nodeType="tmRoot"/>
       </p:par>
     </p:tnLst>
   </p:timing>
@@ -13547,13 +13612,13 @@
                 <a:solidFill>
                   <a:srgbClr val="000000"/>
                 </a:solidFill>
-                <a:latin typeface="微软雅黑"/>
-                <a:ea typeface="微软雅黑"/>
+                <a:latin typeface="微软雅黑" panose="020B0503020204020204" charset="-122"/>
+                <a:ea typeface="微软雅黑" panose="020B0503020204020204" charset="-122"/>
               </a:rPr>
               <a:t>计划中的工作</a:t>
             </a:r>
             <a:endParaRPr lang="en-US" sz="2200" b="0" strike="noStrike" spc="-1">
-              <a:latin typeface="Arial"/>
+              <a:latin typeface="Arial" panose="020B0604020202020204"/>
             </a:endParaRPr>
           </a:p>
         </p:txBody>
@@ -13658,20 +13723,14 @@
       </p:grpSp>
       <p:sp>
         <p:nvSpPr>
-          <p:cNvPr id="2" name="文本框 1">
-            <a:extLst>
-              <a:ext uri="{FF2B5EF4-FFF2-40B4-BE49-F238E27FC236}">
-                <a16:creationId xmlns:a16="http://schemas.microsoft.com/office/drawing/2014/main" id="{FBB551D2-569F-44F1-886F-4C155E10E02D}"/>
-              </a:ext>
-            </a:extLst>
-          </p:cNvPr>
+          <p:cNvPr id="2" name="文本框 1"/>
           <p:cNvSpPr txBox="1"/>
           <p:nvPr/>
         </p:nvSpPr>
         <p:spPr>
           <a:xfrm>
-            <a:off x="628200" y="1625600"/>
-            <a:ext cx="9470840" cy="646331"/>
+            <a:off x="611055" y="1687195"/>
+            <a:ext cx="9470840" cy="645160"/>
           </a:xfrm>
           <a:prstGeom prst="rect">
             <a:avLst/>
@@ -13686,31 +13745,12 @@
           <a:p>
             <a:r>
               <a:rPr lang="zh-CN" altLang="en-US" dirty="0"/>
-              <a:t>调研钉钉项目</a:t>
+              <a:t>广州院接口</a:t>
             </a:r>
             <a:endParaRPr lang="en-US" altLang="zh-CN" dirty="0"/>
           </a:p>
           <a:p>
-            <a:r>
-              <a:rPr lang="zh-CN" altLang="en-US" dirty="0"/>
-              <a:t>用代码写一个</a:t>
-            </a:r>
-            <a:r>
-              <a:rPr lang="en-US" altLang="zh-CN" dirty="0"/>
-              <a:t>sap</a:t>
-            </a:r>
-            <a:r>
-              <a:rPr lang="zh-CN" altLang="en-US" dirty="0"/>
-              <a:t>与钉钉的</a:t>
-            </a:r>
-            <a:r>
-              <a:rPr lang="en-US" altLang="zh-CN" dirty="0"/>
-              <a:t>demo</a:t>
-            </a:r>
-            <a:r>
-              <a:rPr lang="zh-CN" altLang="en-US" dirty="0"/>
-              <a:t>接口</a:t>
-            </a:r>
+            <a:endParaRPr lang="zh-CN" altLang="en-US" dirty="0"/>
           </a:p>
         </p:txBody>
       </p:sp>
@@ -13725,27 +13765,7 @@
   <p:timing>
     <p:tnLst>
       <p:par>
-        <p:cTn id="1" dur="indefinite" restart="never" nodeType="tmRoot">
-          <p:childTnLst>
-            <p:seq>
-              <p:cTn id="2" dur="indefinite" nodeType="mainSeq"/>
-              <p:prevCondLst>
-                <p:cond evt="onPrev" delay="0">
-                  <p:tgtEl>
-                    <p:sldTgt/>
-                  </p:tgtEl>
-                </p:cond>
-              </p:prevCondLst>
-              <p:nextCondLst>
-                <p:cond evt="onNext" delay="0">
-                  <p:tgtEl>
-                    <p:sldTgt/>
-                  </p:tgtEl>
-                </p:cond>
-              </p:nextCondLst>
-            </p:seq>
-          </p:childTnLst>
-        </p:cTn>
+        <p:cTn id="1" dur="indefinite" restart="never" nodeType="tmRoot"/>
       </p:par>
     </p:tnLst>
   </p:timing>
@@ -13776,8 +13796,10 @@
           <p:nvPr/>
         </p:nvPicPr>
         <p:blipFill>
-          <a:blip r:embed="rId3"/>
-          <a:stretch/>
+          <a:blip r:embed="rId1"/>
+          <a:stretch>
+            <a:fillRect/>
+          </a:stretch>
         </p:blipFill>
         <p:spPr>
           <a:xfrm>
@@ -13832,7 +13854,7 @@
                 <a:spcPct val="90000"/>
               </a:lnSpc>
               <a:spcAft>
-                <a:spcPts val="587"/>
+                <a:spcPts val="585"/>
               </a:spcAft>
             </a:pPr>
             <a:r>
@@ -13841,12 +13863,12 @@
                   <a:srgbClr val="FFFFFF"/>
                 </a:solidFill>
                 <a:latin typeface="Avenir Next Regular"/>
-                <a:ea typeface="微软雅黑"/>
+                <a:ea typeface="微软雅黑" panose="020B0503020204020204" charset="-122"/>
               </a:rPr>
               <a:t>北京奥维奥科技有限公司</a:t>
             </a:r>
             <a:endParaRPr lang="en-US" sz="1080" b="0" strike="noStrike" spc="-1">
-              <a:latin typeface="Arial"/>
+              <a:latin typeface="Arial" panose="020B0604020202020204"/>
             </a:endParaRPr>
           </a:p>
           <a:p>
@@ -13855,7 +13877,7 @@
                 <a:spcPct val="90000"/>
               </a:lnSpc>
               <a:spcAft>
-                <a:spcPts val="587"/>
+                <a:spcPts val="585"/>
               </a:spcAft>
             </a:pPr>
             <a:r>
@@ -13864,12 +13886,12 @@
                   <a:srgbClr val="FFFFFF"/>
                 </a:solidFill>
                 <a:latin typeface="Avenir Next Regular"/>
-                <a:ea typeface="微软雅黑"/>
+                <a:ea typeface="微软雅黑" panose="020B0503020204020204" charset="-122"/>
               </a:rPr>
               <a:t>中国北京市朝阳区望京西路48号金隅国际A座201室</a:t>
             </a:r>
             <a:endParaRPr lang="en-US" sz="1080" b="0" strike="noStrike" spc="-1">
-              <a:latin typeface="Arial"/>
+              <a:latin typeface="Arial" panose="020B0604020202020204"/>
             </a:endParaRPr>
           </a:p>
           <a:p>
@@ -13878,7 +13900,7 @@
                 <a:spcPct val="70000"/>
               </a:lnSpc>
               <a:spcAft>
-                <a:spcPts val="587"/>
+                <a:spcPts val="585"/>
               </a:spcAft>
             </a:pPr>
             <a:r>
@@ -13887,12 +13909,12 @@
                   <a:srgbClr val="FFFFFF"/>
                 </a:solidFill>
                 <a:latin typeface="Avenir Next Regular"/>
-                <a:ea typeface="微软雅黑"/>
+                <a:ea typeface="微软雅黑" panose="020B0503020204020204" charset="-122"/>
               </a:rPr>
               <a:t>Room201, Tower A, Jinyu International Mansion, </a:t>
             </a:r>
             <a:endParaRPr lang="en-US" sz="1080" b="0" strike="noStrike" spc="-1">
-              <a:latin typeface="Arial"/>
+              <a:latin typeface="Arial" panose="020B0604020202020204"/>
             </a:endParaRPr>
           </a:p>
           <a:p>
@@ -13901,7 +13923,7 @@
                 <a:spcPct val="70000"/>
               </a:lnSpc>
               <a:spcAft>
-                <a:spcPts val="587"/>
+                <a:spcPts val="585"/>
               </a:spcAft>
             </a:pPr>
             <a:r>
@@ -13910,12 +13932,12 @@
                   <a:srgbClr val="FFFFFF"/>
                 </a:solidFill>
                 <a:latin typeface="Avenir Next Regular"/>
-                <a:ea typeface="微软雅黑"/>
+                <a:ea typeface="微软雅黑" panose="020B0503020204020204" charset="-122"/>
               </a:rPr>
               <a:t>No.48 Wangjingxi Rd.Chaoyang District, Beijing 100102, China</a:t>
             </a:r>
             <a:endParaRPr lang="en-US" sz="1080" b="0" strike="noStrike" spc="-1">
-              <a:latin typeface="Arial"/>
+              <a:latin typeface="Arial" panose="020B0604020202020204"/>
             </a:endParaRPr>
           </a:p>
         </p:txBody>
@@ -13965,8 +13987,8 @@
                 <a:solidFill>
                   <a:srgbClr val="FFFFFF"/>
                 </a:solidFill>
-                <a:latin typeface="微软雅黑"/>
-                <a:ea typeface="微软雅黑"/>
+                <a:latin typeface="微软雅黑" panose="020B0503020204020204" charset="-122"/>
+                <a:ea typeface="微软雅黑" panose="020B0503020204020204" charset="-122"/>
               </a:rPr>
               <a:t>谢谢</a:t>
             </a:r>
@@ -13975,13 +13997,13 @@
                 <a:solidFill>
                   <a:srgbClr val="FFFFFF"/>
                 </a:solidFill>
-                <a:latin typeface="微软雅黑"/>
-                <a:ea typeface="微软雅黑"/>
+                <a:latin typeface="微软雅黑" panose="020B0503020204020204" charset="-122"/>
+                <a:ea typeface="微软雅黑" panose="020B0503020204020204" charset="-122"/>
               </a:rPr>
               <a:t> THANKS !</a:t>
             </a:r>
             <a:endParaRPr lang="en-US" sz="3140" b="0" strike="noStrike" spc="-1">
-              <a:latin typeface="Arial"/>
+              <a:latin typeface="Arial" panose="020B0604020202020204"/>
             </a:endParaRPr>
           </a:p>
         </p:txBody>
@@ -13997,27 +14019,7 @@
   <p:timing>
     <p:tnLst>
       <p:par>
-        <p:cTn id="1" dur="indefinite" restart="never" nodeType="tmRoot">
-          <p:childTnLst>
-            <p:seq>
-              <p:cTn id="2" dur="indefinite" nodeType="mainSeq"/>
-              <p:prevCondLst>
-                <p:cond evt="onPrev" delay="0">
-                  <p:tgtEl>
-                    <p:sldTgt/>
-                  </p:tgtEl>
-                </p:cond>
-              </p:prevCondLst>
-              <p:nextCondLst>
-                <p:cond evt="onNext" delay="0">
-                  <p:tgtEl>
-                    <p:sldTgt/>
-                  </p:tgtEl>
-                </p:cond>
-              </p:nextCondLst>
-            </p:seq>
-          </p:childTnLst>
-        </p:cTn>
+        <p:cTn id="1" dur="indefinite" restart="never" nodeType="tmRoot"/>
       </p:par>
     </p:tnLst>
   </p:timing>
@@ -14244,8 +14246,11 @@
       </a:bgFillStyleLst>
     </a:fmtScheme>
   </a:themeElements>
-  <a:objectDefaults/>
-  <a:extraClrSchemeLst/>
+  <a:extLst>
+    <a:ext uri="{05A4C25C-085E-4340-85A3-A5531E510DB2}">
+      <thm15:themeFamily xmlns:thm15="http://schemas.microsoft.com/office/thememl/2012/main" name="Office Theme" id="{62F939B6-93AF-4DB8-9C6B-D6C7DFDC589F}" vid="{4A3C46E8-61CC-4603-A589-7422A47A8E4A}"/>
+    </a:ext>
+  </a:extLst>
 </a:theme>
 </file>
 
@@ -14469,8 +14474,11 @@
       </a:bgFillStyleLst>
     </a:fmtScheme>
   </a:themeElements>
-  <a:objectDefaults/>
-  <a:extraClrSchemeLst/>
+  <a:extLst>
+    <a:ext uri="{05A4C25C-085E-4340-85A3-A5531E510DB2}">
+      <thm15:themeFamily xmlns:thm15="http://schemas.microsoft.com/office/thememl/2012/main" name="Office Theme" id="{62F939B6-93AF-4DB8-9C6B-D6C7DFDC589F}" vid="{4A3C46E8-61CC-4603-A589-7422A47A8E4A}"/>
+    </a:ext>
+  </a:extLst>
 </a:theme>
 </file>
 
@@ -14694,8 +14702,11 @@
       </a:bgFillStyleLst>
     </a:fmtScheme>
   </a:themeElements>
-  <a:objectDefaults/>
-  <a:extraClrSchemeLst/>
+  <a:extLst>
+    <a:ext uri="{05A4C25C-085E-4340-85A3-A5531E510DB2}">
+      <thm15:themeFamily xmlns:thm15="http://schemas.microsoft.com/office/thememl/2012/main" name="Office Theme" id="{62F939B6-93AF-4DB8-9C6B-D6C7DFDC589F}" vid="{4A3C46E8-61CC-4603-A589-7422A47A8E4A}"/>
+    </a:ext>
+  </a:extLst>
 </a:theme>
 </file>
 
@@ -14919,8 +14930,11 @@
       </a:bgFillStyleLst>
     </a:fmtScheme>
   </a:themeElements>
-  <a:objectDefaults/>
-  <a:extraClrSchemeLst/>
+  <a:extLst>
+    <a:ext uri="{05A4C25C-085E-4340-85A3-A5531E510DB2}">
+      <thm15:themeFamily xmlns:thm15="http://schemas.microsoft.com/office/thememl/2012/main" name="Office Theme" id="{62F939B6-93AF-4DB8-9C6B-D6C7DFDC589F}" vid="{4A3C46E8-61CC-4603-A589-7422A47A8E4A}"/>
+    </a:ext>
+  </a:extLst>
 </a:theme>
 </file>
 
@@ -15144,8 +15158,11 @@
       </a:bgFillStyleLst>
     </a:fmtScheme>
   </a:themeElements>
-  <a:objectDefaults/>
-  <a:extraClrSchemeLst/>
+  <a:extLst>
+    <a:ext uri="{05A4C25C-085E-4340-85A3-A5531E510DB2}">
+      <thm15:themeFamily xmlns:thm15="http://schemas.microsoft.com/office/thememl/2012/main" name="Office Theme" id="{62F939B6-93AF-4DB8-9C6B-D6C7DFDC589F}" vid="{4A3C46E8-61CC-4603-A589-7422A47A8E4A}"/>
+    </a:ext>
+  </a:extLst>
 </a:theme>
 </file>
 
@@ -15369,7 +15386,10 @@
       </a:bgFillStyleLst>
     </a:fmtScheme>
   </a:themeElements>
-  <a:objectDefaults/>
-  <a:extraClrSchemeLst/>
+  <a:extLst>
+    <a:ext uri="{05A4C25C-085E-4340-85A3-A5531E510DB2}">
+      <thm15:themeFamily xmlns:thm15="http://schemas.microsoft.com/office/thememl/2012/main" name="Office Theme" id="{62F939B6-93AF-4DB8-9C6B-D6C7DFDC589F}" vid="{4A3C46E8-61CC-4603-A589-7422A47A8E4A}"/>
+    </a:ext>
+  </a:extLst>
 </a:theme>
 </file>